--- a/VoluntaryAttention_PossibilitiesForImplementation.pptx
+++ b/VoluntaryAttention_PossibilitiesForImplementation.pptx
@@ -118,6 +118,22 @@
       </a:defRPr>
     </a:lvl9pPr>
   </p:defaultTextStyle>
+  <p:extLst>
+    <p:ext uri="{EFAFB233-063F-42B5-8137-9DF3F51BA10A}">
+      <p15:sldGuideLst xmlns:p15="http://schemas.microsoft.com/office/powerpoint/2012/main">
+        <p15:guide id="1" orient="horz" pos="2160">
+          <p15:clr>
+            <a:srgbClr val="A4A3A4"/>
+          </p15:clr>
+        </p15:guide>
+        <p15:guide id="2" pos="2880">
+          <p15:clr>
+            <a:srgbClr val="A4A3A4"/>
+          </p15:clr>
+        </p15:guide>
+      </p15:sldGuideLst>
+    </p:ext>
+  </p:extLst>
 </p:presentation>
 </file>
 
@@ -160,10 +176,9 @@
           </a:lstStyle>
           <a:p>
             <a:r>
-              <a:rPr lang="en-US" dirty="0" smtClean="0"/>
+              <a:rPr lang="en-US" dirty="0"/>
               <a:t>Click to edit Master title style</a:t>
             </a:r>
-            <a:endParaRPr lang="en-US" dirty="0"/>
           </a:p>
         </p:txBody>
       </p:sp>
@@ -196,38 +211,37 @@
           <a:p>
             <a:pPr lvl="0"/>
             <a:r>
-              <a:rPr lang="en-US" dirty="0" smtClean="0"/>
+              <a:rPr lang="en-US" dirty="0"/>
               <a:t>Click to edit Master text styles</a:t>
             </a:r>
           </a:p>
           <a:p>
             <a:pPr lvl="1"/>
             <a:r>
-              <a:rPr lang="en-US" dirty="0" smtClean="0"/>
+              <a:rPr lang="en-US" dirty="0"/>
               <a:t>Second level</a:t>
             </a:r>
           </a:p>
           <a:p>
             <a:pPr lvl="2"/>
             <a:r>
-              <a:rPr lang="en-US" dirty="0" smtClean="0"/>
+              <a:rPr lang="en-US" dirty="0"/>
               <a:t>Third level</a:t>
             </a:r>
           </a:p>
           <a:p>
             <a:pPr lvl="3"/>
             <a:r>
-              <a:rPr lang="en-US" dirty="0" smtClean="0"/>
+              <a:rPr lang="en-US" dirty="0"/>
               <a:t>Fourth level</a:t>
             </a:r>
           </a:p>
           <a:p>
             <a:pPr lvl="4"/>
             <a:r>
-              <a:rPr lang="en-US" dirty="0" smtClean="0"/>
+              <a:rPr lang="en-US" dirty="0"/>
               <a:t>Fifth level</a:t>
             </a:r>
-            <a:endParaRPr lang="en-US" dirty="0"/>
           </a:p>
         </p:txBody>
       </p:sp>
@@ -248,7 +262,7 @@
           <a:p>
             <a:fld id="{A4D49A75-32FE-4C9A-A6BA-C42EBCAC6AD0}" type="datetimeFigureOut">
               <a:rPr lang="en-US" smtClean="0"/>
-              <a:t>7/30/2020</a:t>
+              <a:t>2020-07-31</a:t>
             </a:fld>
             <a:endParaRPr lang="en-US"/>
           </a:p>
@@ -306,13 +320,6 @@
   <p:clrMapOvr>
     <a:masterClrMapping/>
   </p:clrMapOvr>
-  <p:timing>
-    <p:tnLst>
-      <p:par>
-        <p:cTn id="1" dur="indefinite" restart="never" nodeType="tmRoot"/>
-      </p:par>
-    </p:tnLst>
-  </p:timing>
 </p:sldLayout>
 </file>
 
@@ -360,10 +367,9 @@
           </a:lstStyle>
           <a:p>
             <a:r>
-              <a:rPr lang="en-US" dirty="0" smtClean="0"/>
+              <a:rPr lang="en-US" dirty="0"/>
               <a:t>Click to edit Master title style</a:t>
             </a:r>
-            <a:endParaRPr lang="en-US" dirty="0"/>
           </a:p>
         </p:txBody>
       </p:sp>
@@ -396,38 +402,37 @@
           <a:p>
             <a:pPr lvl="0"/>
             <a:r>
-              <a:rPr lang="en-US" dirty="0" smtClean="0"/>
+              <a:rPr lang="en-US" dirty="0"/>
               <a:t>Click to edit Master text styles</a:t>
             </a:r>
           </a:p>
           <a:p>
             <a:pPr lvl="1"/>
             <a:r>
-              <a:rPr lang="en-US" dirty="0" smtClean="0"/>
+              <a:rPr lang="en-US" dirty="0"/>
               <a:t>Second level</a:t>
             </a:r>
           </a:p>
           <a:p>
             <a:pPr lvl="2"/>
             <a:r>
-              <a:rPr lang="en-US" dirty="0" smtClean="0"/>
+              <a:rPr lang="en-US" dirty="0"/>
               <a:t>Third level</a:t>
             </a:r>
           </a:p>
           <a:p>
             <a:pPr lvl="3"/>
             <a:r>
-              <a:rPr lang="en-US" dirty="0" smtClean="0"/>
+              <a:rPr lang="en-US" dirty="0"/>
               <a:t>Fourth level</a:t>
             </a:r>
           </a:p>
           <a:p>
             <a:pPr lvl="4"/>
             <a:r>
-              <a:rPr lang="en-US" dirty="0" smtClean="0"/>
+              <a:rPr lang="en-US" dirty="0"/>
               <a:t>Fifth level</a:t>
             </a:r>
-            <a:endParaRPr lang="en-US" dirty="0"/>
           </a:p>
         </p:txBody>
       </p:sp>
@@ -448,7 +453,7 @@
           <a:p>
             <a:fld id="{A4D49A75-32FE-4C9A-A6BA-C42EBCAC6AD0}" type="datetimeFigureOut">
               <a:rPr lang="en-US" smtClean="0"/>
-              <a:t>7/30/2020</a:t>
+              <a:t>2020-07-31</a:t>
             </a:fld>
             <a:endParaRPr lang="en-US"/>
           </a:p>
@@ -506,13 +511,6 @@
   <p:clrMapOvr>
     <a:masterClrMapping/>
   </p:clrMapOvr>
-  <p:timing>
-    <p:tnLst>
-      <p:par>
-        <p:cTn id="1" dur="indefinite" restart="never" nodeType="tmRoot"/>
-      </p:par>
-    </p:tnLst>
-  </p:timing>
 </p:sldLayout>
 </file>
 
@@ -554,10 +552,9 @@
           <a:lstStyle/>
           <a:p>
             <a:r>
-              <a:rPr lang="en-US" smtClean="0"/>
+              <a:rPr lang="en-US"/>
               <a:t>Click to edit Master title style</a:t>
             </a:r>
-            <a:endParaRPr lang="en-US"/>
           </a:p>
         </p:txBody>
       </p:sp>
@@ -583,38 +580,37 @@
           <a:p>
             <a:pPr lvl="0"/>
             <a:r>
-              <a:rPr lang="en-US" smtClean="0"/>
+              <a:rPr lang="en-US"/>
               <a:t>Click to edit Master text styles</a:t>
             </a:r>
           </a:p>
           <a:p>
             <a:pPr lvl="1"/>
             <a:r>
-              <a:rPr lang="en-US" smtClean="0"/>
+              <a:rPr lang="en-US"/>
               <a:t>Second level</a:t>
             </a:r>
           </a:p>
           <a:p>
             <a:pPr lvl="2"/>
             <a:r>
-              <a:rPr lang="en-US" smtClean="0"/>
+              <a:rPr lang="en-US"/>
               <a:t>Third level</a:t>
             </a:r>
           </a:p>
           <a:p>
             <a:pPr lvl="3"/>
             <a:r>
-              <a:rPr lang="en-US" smtClean="0"/>
+              <a:rPr lang="en-US"/>
               <a:t>Fourth level</a:t>
             </a:r>
           </a:p>
           <a:p>
             <a:pPr lvl="4"/>
             <a:r>
-              <a:rPr lang="en-US" smtClean="0"/>
+              <a:rPr lang="en-US"/>
               <a:t>Fifth level</a:t>
             </a:r>
-            <a:endParaRPr lang="en-US"/>
           </a:p>
         </p:txBody>
       </p:sp>
@@ -635,7 +631,7 @@
           <a:p>
             <a:fld id="{A4D49A75-32FE-4C9A-A6BA-C42EBCAC6AD0}" type="datetimeFigureOut">
               <a:rPr lang="en-US" smtClean="0"/>
-              <a:t>7/30/2020</a:t>
+              <a:t>2020-07-31</a:t>
             </a:fld>
             <a:endParaRPr lang="en-US"/>
           </a:p>
@@ -734,10 +730,9 @@
           <a:lstStyle/>
           <a:p>
             <a:r>
-              <a:rPr lang="en-US" smtClean="0"/>
+              <a:rPr lang="en-US"/>
               <a:t>Click to edit Master title style</a:t>
             </a:r>
-            <a:endParaRPr lang="en-US"/>
           </a:p>
         </p:txBody>
       </p:sp>
@@ -853,10 +848,9 @@
           </a:lstStyle>
           <a:p>
             <a:r>
-              <a:rPr lang="en-US" smtClean="0"/>
+              <a:rPr lang="en-US"/>
               <a:t>Click to edit Master subtitle style</a:t>
             </a:r>
-            <a:endParaRPr lang="en-US"/>
           </a:p>
         </p:txBody>
       </p:sp>
@@ -877,7 +871,7 @@
           <a:p>
             <a:fld id="{A4D49A75-32FE-4C9A-A6BA-C42EBCAC6AD0}" type="datetimeFigureOut">
               <a:rPr lang="en-US" smtClean="0"/>
-              <a:t>7/30/2020</a:t>
+              <a:t>2020-07-31</a:t>
             </a:fld>
             <a:endParaRPr lang="en-US"/>
           </a:p>
@@ -980,10 +974,9 @@
           </a:lstStyle>
           <a:p>
             <a:r>
-              <a:rPr lang="en-US" smtClean="0"/>
+              <a:rPr lang="en-US"/>
               <a:t>Click to edit Master title style</a:t>
             </a:r>
-            <a:endParaRPr lang="en-US"/>
           </a:p>
         </p:txBody>
       </p:sp>
@@ -1100,7 +1093,7 @@
           <a:p>
             <a:pPr lvl="0"/>
             <a:r>
-              <a:rPr lang="en-US" smtClean="0"/>
+              <a:rPr lang="en-US"/>
               <a:t>Click to edit Master text styles</a:t>
             </a:r>
           </a:p>
@@ -1123,7 +1116,7 @@
           <a:p>
             <a:fld id="{A4D49A75-32FE-4C9A-A6BA-C42EBCAC6AD0}" type="datetimeFigureOut">
               <a:rPr lang="en-US" smtClean="0"/>
-              <a:t>7/30/2020</a:t>
+              <a:t>2020-07-31</a:t>
             </a:fld>
             <a:endParaRPr lang="en-US"/>
           </a:p>
@@ -1181,13 +1174,6 @@
   <p:clrMapOvr>
     <a:masterClrMapping/>
   </p:clrMapOvr>
-  <p:timing>
-    <p:tnLst>
-      <p:par>
-        <p:cTn id="1" dur="indefinite" restart="never" nodeType="tmRoot"/>
-      </p:par>
-    </p:tnLst>
-  </p:timing>
 </p:sldLayout>
 </file>
 
@@ -1224,10 +1210,9 @@
           <a:lstStyle/>
           <a:p>
             <a:r>
-              <a:rPr lang="en-US" smtClean="0"/>
+              <a:rPr lang="en-US"/>
               <a:t>Click to edit Master title style</a:t>
             </a:r>
-            <a:endParaRPr lang="en-US"/>
           </a:p>
         </p:txBody>
       </p:sp>
@@ -1281,38 +1266,37 @@
           <a:p>
             <a:pPr lvl="0"/>
             <a:r>
-              <a:rPr lang="en-US" smtClean="0"/>
+              <a:rPr lang="en-US"/>
               <a:t>Click to edit Master text styles</a:t>
             </a:r>
           </a:p>
           <a:p>
             <a:pPr lvl="1"/>
             <a:r>
-              <a:rPr lang="en-US" smtClean="0"/>
+              <a:rPr lang="en-US"/>
               <a:t>Second level</a:t>
             </a:r>
           </a:p>
           <a:p>
             <a:pPr lvl="2"/>
             <a:r>
-              <a:rPr lang="en-US" smtClean="0"/>
+              <a:rPr lang="en-US"/>
               <a:t>Third level</a:t>
             </a:r>
           </a:p>
           <a:p>
             <a:pPr lvl="3"/>
             <a:r>
-              <a:rPr lang="en-US" smtClean="0"/>
+              <a:rPr lang="en-US"/>
               <a:t>Fourth level</a:t>
             </a:r>
           </a:p>
           <a:p>
             <a:pPr lvl="4"/>
             <a:r>
-              <a:rPr lang="en-US" smtClean="0"/>
+              <a:rPr lang="en-US"/>
               <a:t>Fifth level</a:t>
             </a:r>
-            <a:endParaRPr lang="en-US"/>
           </a:p>
         </p:txBody>
       </p:sp>
@@ -1366,38 +1350,37 @@
           <a:p>
             <a:pPr lvl="0"/>
             <a:r>
-              <a:rPr lang="en-US" smtClean="0"/>
+              <a:rPr lang="en-US"/>
               <a:t>Click to edit Master text styles</a:t>
             </a:r>
           </a:p>
           <a:p>
             <a:pPr lvl="1"/>
             <a:r>
-              <a:rPr lang="en-US" smtClean="0"/>
+              <a:rPr lang="en-US"/>
               <a:t>Second level</a:t>
             </a:r>
           </a:p>
           <a:p>
             <a:pPr lvl="2"/>
             <a:r>
-              <a:rPr lang="en-US" smtClean="0"/>
+              <a:rPr lang="en-US"/>
               <a:t>Third level</a:t>
             </a:r>
           </a:p>
           <a:p>
             <a:pPr lvl="3"/>
             <a:r>
-              <a:rPr lang="en-US" smtClean="0"/>
+              <a:rPr lang="en-US"/>
               <a:t>Fourth level</a:t>
             </a:r>
           </a:p>
           <a:p>
             <a:pPr lvl="4"/>
             <a:r>
-              <a:rPr lang="en-US" smtClean="0"/>
+              <a:rPr lang="en-US"/>
               <a:t>Fifth level</a:t>
             </a:r>
-            <a:endParaRPr lang="en-US"/>
           </a:p>
         </p:txBody>
       </p:sp>
@@ -1418,7 +1401,7 @@
           <a:p>
             <a:fld id="{A4D49A75-32FE-4C9A-A6BA-C42EBCAC6AD0}" type="datetimeFigureOut">
               <a:rPr lang="en-US" smtClean="0"/>
-              <a:t>7/30/2020</a:t>
+              <a:t>2020-07-31</a:t>
             </a:fld>
             <a:endParaRPr lang="en-US"/>
           </a:p>
@@ -1516,10 +1499,9 @@
           </a:lstStyle>
           <a:p>
             <a:r>
-              <a:rPr lang="en-US" smtClean="0"/>
+              <a:rPr lang="en-US"/>
               <a:t>Click to edit Master title style</a:t>
             </a:r>
-            <a:endParaRPr lang="en-US"/>
           </a:p>
         </p:txBody>
       </p:sp>
@@ -1582,7 +1564,7 @@
           <a:p>
             <a:pPr lvl="0"/>
             <a:r>
-              <a:rPr lang="en-US" smtClean="0"/>
+              <a:rPr lang="en-US"/>
               <a:t>Click to edit Master text styles</a:t>
             </a:r>
           </a:p>
@@ -1638,38 +1620,37 @@
           <a:p>
             <a:pPr lvl="0"/>
             <a:r>
-              <a:rPr lang="en-US" smtClean="0"/>
+              <a:rPr lang="en-US"/>
               <a:t>Click to edit Master text styles</a:t>
             </a:r>
           </a:p>
           <a:p>
             <a:pPr lvl="1"/>
             <a:r>
-              <a:rPr lang="en-US" smtClean="0"/>
+              <a:rPr lang="en-US"/>
               <a:t>Second level</a:t>
             </a:r>
           </a:p>
           <a:p>
             <a:pPr lvl="2"/>
             <a:r>
-              <a:rPr lang="en-US" smtClean="0"/>
+              <a:rPr lang="en-US"/>
               <a:t>Third level</a:t>
             </a:r>
           </a:p>
           <a:p>
             <a:pPr lvl="3"/>
             <a:r>
-              <a:rPr lang="en-US" smtClean="0"/>
+              <a:rPr lang="en-US"/>
               <a:t>Fourth level</a:t>
             </a:r>
           </a:p>
           <a:p>
             <a:pPr lvl="4"/>
             <a:r>
-              <a:rPr lang="en-US" smtClean="0"/>
+              <a:rPr lang="en-US"/>
               <a:t>Fifth level</a:t>
             </a:r>
-            <a:endParaRPr lang="en-US"/>
           </a:p>
         </p:txBody>
       </p:sp>
@@ -1732,7 +1713,7 @@
           <a:p>
             <a:pPr lvl="0"/>
             <a:r>
-              <a:rPr lang="en-US" smtClean="0"/>
+              <a:rPr lang="en-US"/>
               <a:t>Click to edit Master text styles</a:t>
             </a:r>
           </a:p>
@@ -1788,38 +1769,37 @@
           <a:p>
             <a:pPr lvl="0"/>
             <a:r>
-              <a:rPr lang="en-US" smtClean="0"/>
+              <a:rPr lang="en-US"/>
               <a:t>Click to edit Master text styles</a:t>
             </a:r>
           </a:p>
           <a:p>
             <a:pPr lvl="1"/>
             <a:r>
-              <a:rPr lang="en-US" smtClean="0"/>
+              <a:rPr lang="en-US"/>
               <a:t>Second level</a:t>
             </a:r>
           </a:p>
           <a:p>
             <a:pPr lvl="2"/>
             <a:r>
-              <a:rPr lang="en-US" smtClean="0"/>
+              <a:rPr lang="en-US"/>
               <a:t>Third level</a:t>
             </a:r>
           </a:p>
           <a:p>
             <a:pPr lvl="3"/>
             <a:r>
-              <a:rPr lang="en-US" smtClean="0"/>
+              <a:rPr lang="en-US"/>
               <a:t>Fourth level</a:t>
             </a:r>
           </a:p>
           <a:p>
             <a:pPr lvl="4"/>
             <a:r>
-              <a:rPr lang="en-US" smtClean="0"/>
+              <a:rPr lang="en-US"/>
               <a:t>Fifth level</a:t>
             </a:r>
-            <a:endParaRPr lang="en-US"/>
           </a:p>
         </p:txBody>
       </p:sp>
@@ -1840,7 +1820,7 @@
           <a:p>
             <a:fld id="{A4D49A75-32FE-4C9A-A6BA-C42EBCAC6AD0}" type="datetimeFigureOut">
               <a:rPr lang="en-US" smtClean="0"/>
-              <a:t>7/30/2020</a:t>
+              <a:t>2020-07-31</a:t>
             </a:fld>
             <a:endParaRPr lang="en-US"/>
           </a:p>
@@ -1934,10 +1914,9 @@
           <a:lstStyle/>
           <a:p>
             <a:r>
-              <a:rPr lang="en-US" smtClean="0"/>
+              <a:rPr lang="en-US"/>
               <a:t>Click to edit Master title style</a:t>
             </a:r>
-            <a:endParaRPr lang="en-US"/>
           </a:p>
         </p:txBody>
       </p:sp>
@@ -1958,7 +1937,7 @@
           <a:p>
             <a:fld id="{A4D49A75-32FE-4C9A-A6BA-C42EBCAC6AD0}" type="datetimeFigureOut">
               <a:rPr lang="en-US" smtClean="0"/>
-              <a:t>7/30/2020</a:t>
+              <a:t>2020-07-31</a:t>
             </a:fld>
             <a:endParaRPr lang="en-US"/>
           </a:p>
@@ -2053,7 +2032,7 @@
           <a:p>
             <a:fld id="{A4D49A75-32FE-4C9A-A6BA-C42EBCAC6AD0}" type="datetimeFigureOut">
               <a:rPr lang="en-US" smtClean="0"/>
-              <a:t>7/30/2020</a:t>
+              <a:t>2020-07-31</a:t>
             </a:fld>
             <a:endParaRPr lang="en-US"/>
           </a:p>
@@ -2111,13 +2090,6 @@
   <p:clrMapOvr>
     <a:masterClrMapping/>
   </p:clrMapOvr>
-  <p:timing>
-    <p:tnLst>
-      <p:par>
-        <p:cTn id="1" dur="indefinite" restart="never" nodeType="tmRoot"/>
-      </p:par>
-    </p:tnLst>
-  </p:timing>
 </p:sldLayout>
 </file>
 
@@ -2163,10 +2135,9 @@
           </a:lstStyle>
           <a:p>
             <a:r>
-              <a:rPr lang="en-US" smtClean="0"/>
+              <a:rPr lang="en-US"/>
               <a:t>Click to edit Master title style</a:t>
             </a:r>
-            <a:endParaRPr lang="en-US"/>
           </a:p>
         </p:txBody>
       </p:sp>
@@ -2220,38 +2191,37 @@
           <a:p>
             <a:pPr lvl="0"/>
             <a:r>
-              <a:rPr lang="en-US" smtClean="0"/>
+              <a:rPr lang="en-US"/>
               <a:t>Click to edit Master text styles</a:t>
             </a:r>
           </a:p>
           <a:p>
             <a:pPr lvl="1"/>
             <a:r>
-              <a:rPr lang="en-US" smtClean="0"/>
+              <a:rPr lang="en-US"/>
               <a:t>Second level</a:t>
             </a:r>
           </a:p>
           <a:p>
             <a:pPr lvl="2"/>
             <a:r>
-              <a:rPr lang="en-US" smtClean="0"/>
+              <a:rPr lang="en-US"/>
               <a:t>Third level</a:t>
             </a:r>
           </a:p>
           <a:p>
             <a:pPr lvl="3"/>
             <a:r>
-              <a:rPr lang="en-US" smtClean="0"/>
+              <a:rPr lang="en-US"/>
               <a:t>Fourth level</a:t>
             </a:r>
           </a:p>
           <a:p>
             <a:pPr lvl="4"/>
             <a:r>
-              <a:rPr lang="en-US" smtClean="0"/>
+              <a:rPr lang="en-US"/>
               <a:t>Fifth level</a:t>
             </a:r>
-            <a:endParaRPr lang="en-US"/>
           </a:p>
         </p:txBody>
       </p:sp>
@@ -2314,7 +2284,7 @@
           <a:p>
             <a:pPr lvl="0"/>
             <a:r>
-              <a:rPr lang="en-US" smtClean="0"/>
+              <a:rPr lang="en-US"/>
               <a:t>Click to edit Master text styles</a:t>
             </a:r>
           </a:p>
@@ -2337,7 +2307,7 @@
           <a:p>
             <a:fld id="{A4D49A75-32FE-4C9A-A6BA-C42EBCAC6AD0}" type="datetimeFigureOut">
               <a:rPr lang="en-US" smtClean="0"/>
-              <a:t>7/30/2020</a:t>
+              <a:t>2020-07-31</a:t>
             </a:fld>
             <a:endParaRPr lang="en-US"/>
           </a:p>
@@ -2440,10 +2410,9 @@
           </a:lstStyle>
           <a:p>
             <a:r>
-              <a:rPr lang="en-US" smtClean="0"/>
+              <a:rPr lang="en-US"/>
               <a:t>Click to edit Master title style</a:t>
             </a:r>
-            <a:endParaRPr lang="en-US"/>
           </a:p>
         </p:txBody>
       </p:sp>
@@ -2567,7 +2536,7 @@
           <a:p>
             <a:pPr lvl="0"/>
             <a:r>
-              <a:rPr lang="en-US" smtClean="0"/>
+              <a:rPr lang="en-US"/>
               <a:t>Click to edit Master text styles</a:t>
             </a:r>
           </a:p>
@@ -2590,7 +2559,7 @@
           <a:p>
             <a:fld id="{A4D49A75-32FE-4C9A-A6BA-C42EBCAC6AD0}" type="datetimeFigureOut">
               <a:rPr lang="en-US" smtClean="0"/>
-              <a:t>7/30/2020</a:t>
+              <a:t>2020-07-31</a:t>
             </a:fld>
             <a:endParaRPr lang="en-US"/>
           </a:p>
@@ -2699,10 +2668,9 @@
           <a:lstStyle/>
           <a:p>
             <a:r>
-              <a:rPr lang="en-US" dirty="0" smtClean="0"/>
+              <a:rPr lang="en-US" dirty="0"/>
               <a:t>Click to edit Master title style</a:t>
             </a:r>
-            <a:endParaRPr lang="en-US" dirty="0"/>
           </a:p>
         </p:txBody>
       </p:sp>
@@ -2733,38 +2701,37 @@
           <a:p>
             <a:pPr lvl="0"/>
             <a:r>
-              <a:rPr lang="en-US" smtClean="0"/>
+              <a:rPr lang="en-US"/>
               <a:t>Click to edit Master text styles</a:t>
             </a:r>
           </a:p>
           <a:p>
             <a:pPr lvl="1"/>
             <a:r>
-              <a:rPr lang="en-US" smtClean="0"/>
+              <a:rPr lang="en-US"/>
               <a:t>Second level</a:t>
             </a:r>
           </a:p>
           <a:p>
             <a:pPr lvl="2"/>
             <a:r>
-              <a:rPr lang="en-US" smtClean="0"/>
+              <a:rPr lang="en-US"/>
               <a:t>Third level</a:t>
             </a:r>
           </a:p>
           <a:p>
             <a:pPr lvl="3"/>
             <a:r>
-              <a:rPr lang="en-US" smtClean="0"/>
+              <a:rPr lang="en-US"/>
               <a:t>Fourth level</a:t>
             </a:r>
           </a:p>
           <a:p>
             <a:pPr lvl="4"/>
             <a:r>
-              <a:rPr lang="en-US" smtClean="0"/>
+              <a:rPr lang="en-US"/>
               <a:t>Fifth level</a:t>
             </a:r>
-            <a:endParaRPr lang="en-US"/>
           </a:p>
         </p:txBody>
       </p:sp>
@@ -2803,7 +2770,7 @@
           <a:p>
             <a:fld id="{A4D49A75-32FE-4C9A-A6BA-C42EBCAC6AD0}" type="datetimeFigureOut">
               <a:rPr lang="en-US" smtClean="0"/>
-              <a:t>7/30/2020</a:t>
+              <a:t>2020-07-31</a:t>
             </a:fld>
             <a:endParaRPr lang="en-US"/>
           </a:p>
@@ -2908,13 +2875,6 @@
     <p:sldLayoutId id="2147483658" r:id="rId10"/>
     <p:sldLayoutId id="2147483659" r:id="rId11"/>
   </p:sldLayoutIdLst>
-  <p:timing>
-    <p:tnLst>
-      <p:par>
-        <p:cTn id="1" dur="indefinite" restart="never" nodeType="tmRoot"/>
-      </p:par>
-    </p:tnLst>
-  </p:timing>
   <p:txStyles>
     <p:titleStyle>
       <a:lvl1pPr algn="ctr" defTabSz="914400" rtl="0" eaLnBrk="1" latinLnBrk="0" hangingPunct="1">
@@ -3204,15 +3164,7 @@
           <a:p>
             <a:r>
               <a:rPr lang="de-DE" b="1" dirty="0"/>
-              <a:t>The role of attention in </a:t>
-            </a:r>
-            <a:r>
-              <a:rPr lang="de-DE" b="1" dirty="0" smtClean="0"/>
-              <a:t>a computational model </a:t>
-            </a:r>
-            <a:r>
-              <a:rPr lang="de-DE" b="1" dirty="0"/>
-              <a:t>of binocular rivalry</a:t>
+              <a:t>The role of attention in a computational model of binocular rivalry</a:t>
             </a:r>
             <a:endParaRPr lang="en-US" dirty="0"/>
           </a:p>
@@ -3230,8 +3182,8 @@
         </p:nvSpPr>
         <p:spPr>
           <a:xfrm>
-            <a:off x="457200" y="1295400"/>
-            <a:ext cx="8229600" cy="5029200"/>
+            <a:off x="457200" y="1143000"/>
+            <a:ext cx="8229600" cy="5440362"/>
           </a:xfrm>
         </p:spPr>
         <p:txBody>
@@ -3244,11 +3196,11 @@
               <a:buNone/>
             </a:pPr>
             <a:r>
-              <a:rPr lang="de-DE" b="1" dirty="0" smtClean="0"/>
+              <a:rPr lang="de-DE" b="1" dirty="0"/>
               <a:t>Binocular rivalry </a:t>
             </a:r>
             <a:r>
-              <a:rPr lang="de-DE" dirty="0" smtClean="0"/>
+              <a:rPr lang="de-DE" dirty="0"/>
               <a:t>is the alternation between incompartible monocular images presented to the two eyes.</a:t>
             </a:r>
           </a:p>
@@ -3262,54 +3214,18 @@
             <a:pPr marL="0" indent="0">
               <a:buNone/>
             </a:pPr>
-            <a:endParaRPr lang="de-DE" dirty="0" smtClean="0"/>
-          </a:p>
-          <a:p>
-            <a:pPr marL="0" indent="0">
-              <a:buNone/>
-            </a:pPr>
-            <a:endParaRPr lang="de-DE" dirty="0" smtClean="0"/>
-          </a:p>
-          <a:p>
-            <a:pPr marL="0" indent="0">
-              <a:buNone/>
-            </a:pPr>
             <a:endParaRPr lang="de-DE" dirty="0"/>
           </a:p>
           <a:p>
             <a:pPr marL="0" indent="0">
               <a:buNone/>
             </a:pPr>
-            <a:endParaRPr lang="de-DE" dirty="0" smtClean="0"/>
+            <a:endParaRPr lang="en-DE" dirty="0"/>
           </a:p>
           <a:p>
             <a:pPr marL="0" indent="0">
               <a:buNone/>
             </a:pPr>
-            <a:endParaRPr lang="de-DE" dirty="0" smtClean="0"/>
-          </a:p>
-          <a:p>
-            <a:pPr marL="0" indent="0">
-              <a:buNone/>
-            </a:pPr>
-            <a:r>
-              <a:rPr lang="de-DE" dirty="0" smtClean="0"/>
-              <a:t>Experimental evidence has shown that binocular rivalry also depends on </a:t>
-            </a:r>
-            <a:r>
-              <a:rPr lang="de-DE" b="1" dirty="0" smtClean="0">
-                <a:solidFill>
-                  <a:schemeClr val="accent6">
-                    <a:lumMod val="75000"/>
-                  </a:schemeClr>
-                </a:solidFill>
-              </a:rPr>
-              <a:t>attention</a:t>
-            </a:r>
-            <a:r>
-              <a:rPr lang="de-DE" dirty="0" smtClean="0"/>
-              <a:t>. The neural network model from Li et al. (2016) explains the intrinsic cortical interactions between mutual inhibition and attention in visual perception. </a:t>
-            </a:r>
             <a:endParaRPr lang="de-DE" dirty="0"/>
           </a:p>
           <a:p>
@@ -3322,29 +3238,60 @@
             <a:pPr marL="0" indent="0">
               <a:buNone/>
             </a:pPr>
+            <a:endParaRPr lang="de-DE" dirty="0"/>
+          </a:p>
+          <a:p>
+            <a:pPr marL="0" indent="0">
+              <a:buNone/>
+            </a:pPr>
+            <a:endParaRPr lang="en-DE" dirty="0"/>
+          </a:p>
+          <a:p>
+            <a:pPr marL="0" indent="0">
+              <a:buNone/>
+            </a:pPr>
+            <a:endParaRPr lang="de-DE" dirty="0"/>
+          </a:p>
+          <a:p>
+            <a:pPr marL="0" indent="0">
+              <a:buNone/>
+            </a:pPr>
             <a:r>
-              <a:rPr lang="de-DE" b="1" dirty="0" smtClean="0"/>
-              <a:t>Our scientific </a:t>
+              <a:rPr lang="de-DE" dirty="0"/>
+              <a:t>Experimental evidence has shown that binocular rivalry also depends on </a:t>
             </a:r>
             <a:r>
-              <a:rPr lang="de-DE" b="1" dirty="0"/>
-              <a:t>questions: </a:t>
+              <a:rPr lang="de-DE" b="1" dirty="0">
+                <a:solidFill>
+                  <a:schemeClr val="accent6">
+                    <a:lumMod val="75000"/>
+                  </a:schemeClr>
+                </a:solidFill>
+              </a:rPr>
+              <a:t>attention</a:t>
             </a:r>
             <a:r>
-              <a:rPr lang="en-US" dirty="0" smtClean="0"/>
-              <a:t>What </a:t>
+              <a:rPr lang="de-DE" dirty="0"/>
+              <a:t>. The neural network model from Li et al. (2016) explains the intrinsic cortical interactions between mutual inhibition and attention in visual perception. </a:t>
+            </a:r>
+          </a:p>
+          <a:p>
+            <a:pPr marL="0" indent="0">
+              <a:buNone/>
+            </a:pPr>
+            <a:endParaRPr lang="de-DE" dirty="0"/>
+          </a:p>
+          <a:p>
+            <a:pPr marL="0" indent="0">
+              <a:buNone/>
+            </a:pPr>
+            <a:r>
+              <a:rPr lang="de-DE" b="1" dirty="0"/>
+              <a:t>Our scientific questions: </a:t>
             </a:r>
             <a:r>
               <a:rPr lang="en-US" dirty="0"/>
-              <a:t>is the computational role of </a:t>
-            </a:r>
-            <a:r>
-              <a:rPr lang="en-US" dirty="0" smtClean="0"/>
-              <a:t>saliency and voluntary attention </a:t>
-            </a:r>
-            <a:r>
-              <a:rPr lang="en-US" dirty="0"/>
-              <a:t>in binocular rivalry? </a:t>
+              <a:t>What is the computational role of saliency and voluntary attention in binocular rivalry? </a:t>
             </a:r>
           </a:p>
           <a:p>
@@ -3368,15 +3315,7 @@
             </a:pPr>
             <a:r>
               <a:rPr lang="de-DE" dirty="0"/>
-              <a:t>Replication of the </a:t>
-            </a:r>
-            <a:r>
-              <a:rPr lang="de-DE" dirty="0" smtClean="0"/>
-              <a:t>published model (Li et al. 2016) </a:t>
-            </a:r>
-            <a:r>
-              <a:rPr lang="de-DE" dirty="0"/>
-              <a:t>from matlab into a object-based environment in python</a:t>
+              <a:t>Replication of the published model (Li et al. 2016) from matlab into a object-based environment in python</a:t>
             </a:r>
           </a:p>
           <a:p>
@@ -3384,12 +3323,8 @@
               <a:buAutoNum type="arabicParenR"/>
             </a:pPr>
             <a:r>
-              <a:rPr lang="de-DE" dirty="0" smtClean="0"/>
-              <a:t>Two </a:t>
-            </a:r>
-            <a:r>
               <a:rPr lang="de-DE" dirty="0"/>
-              <a:t>different ideas how to implement voluntary attention</a:t>
+              <a:t>Two different ideas how to implement voluntary attention</a:t>
             </a:r>
             <a:endParaRPr lang="en-US" dirty="0"/>
           </a:p>
@@ -3417,14 +3352,62 @@
         </p:blipFill>
         <p:spPr>
           <a:xfrm>
-            <a:off x="2438400" y="1752600"/>
-            <a:ext cx="4285600" cy="1409622"/>
+            <a:off x="1842298" y="1574884"/>
+            <a:ext cx="5459404" cy="1795710"/>
           </a:xfrm>
           <a:prstGeom prst="rect">
             <a:avLst/>
           </a:prstGeom>
         </p:spPr>
       </p:pic>
+      <p:sp>
+        <p:nvSpPr>
+          <p:cNvPr id="4" name="TextBox 3">
+            <a:extLst>
+              <a:ext uri="{FF2B5EF4-FFF2-40B4-BE49-F238E27FC236}">
+                <a16:creationId xmlns:a16="http://schemas.microsoft.com/office/drawing/2014/main" id="{77759A2F-871E-4D78-9E2F-841A8D676275}"/>
+              </a:ext>
+            </a:extLst>
+          </p:cNvPr>
+          <p:cNvSpPr txBox="1"/>
+          <p:nvPr/>
+        </p:nvSpPr>
+        <p:spPr>
+          <a:xfrm>
+            <a:off x="1752600" y="3327484"/>
+            <a:ext cx="6248400" cy="253916"/>
+          </a:xfrm>
+          <a:prstGeom prst="rect">
+            <a:avLst/>
+          </a:prstGeom>
+          <a:noFill/>
+        </p:spPr>
+        <p:txBody>
+          <a:bodyPr wrap="square" rtlCol="0">
+            <a:spAutoFit/>
+          </a:bodyPr>
+          <a:lstStyle/>
+          <a:p>
+            <a:r>
+              <a:rPr lang="de-DE" sz="1050" dirty="0"/>
+              <a:t>Luke </a:t>
+            </a:r>
+            <a:r>
+              <a:rPr lang="de-DE" sz="1050" dirty="0" err="1"/>
+              <a:t>Smillie</a:t>
+            </a:r>
+            <a:r>
+              <a:rPr lang="en-DE" sz="1050" dirty="0"/>
+              <a:t> (2017): </a:t>
+            </a:r>
+            <a:r>
+              <a:rPr lang="en-GB" sz="1050" dirty="0"/>
+              <a:t>People with creative personalities really do see the world differently</a:t>
+            </a:r>
+            <a:endParaRPr lang="en-DE" sz="1050" dirty="0"/>
+          </a:p>
+        </p:txBody>
+      </p:sp>
     </p:spTree>
     <p:extLst>
       <p:ext uri="{BB962C8B-B14F-4D97-AF65-F5344CB8AC3E}">
@@ -3435,13 +3418,6 @@
   <p:clrMapOvr>
     <a:masterClrMapping/>
   </p:clrMapOvr>
-  <p:timing>
-    <p:tnLst>
-      <p:par>
-        <p:cTn id="1" dur="indefinite" restart="never" nodeType="tmRoot"/>
-      </p:par>
-    </p:tnLst>
-  </p:timing>
 </p:sld>
 </file>
 
@@ -3537,20 +3513,15 @@
           <a:lstStyle/>
           <a:p>
             <a:r>
-              <a:rPr lang="en-US" dirty="0" smtClean="0"/>
-              <a:t>The </a:t>
-            </a:r>
-            <a:r>
-              <a:rPr lang="en-US" dirty="0" smtClean="0"/>
-              <a:t>facilitated orientation on sensory level boosts the excitation to the summation neurons. </a:t>
+              <a:rPr lang="en-US" dirty="0"/>
+              <a:t>The facilitated orientation on sensory level boosts the excitation to the summation neurons. </a:t>
             </a:r>
           </a:p>
           <a:p>
             <a:r>
-              <a:rPr lang="en-US" dirty="0" smtClean="0"/>
+              <a:rPr lang="en-US" dirty="0"/>
               <a:t>Therefore, attention has an influence on mutual inhibition in the model. </a:t>
             </a:r>
-            <a:endParaRPr lang="en-US" dirty="0"/>
           </a:p>
         </p:txBody>
       </p:sp>
@@ -3577,7 +3548,7 @@
           <a:lstStyle/>
           <a:p>
             <a:r>
-              <a:rPr lang="de-DE" b="1" dirty="0" smtClean="0"/>
+              <a:rPr lang="de-DE" b="1" dirty="0"/>
               <a:t>Repitition: Saliency / sensory-based attention</a:t>
             </a:r>
             <a:endParaRPr lang="en-US" b="1" dirty="0"/>
@@ -6516,13 +6487,6 @@
   <p:clrMapOvr>
     <a:masterClrMapping/>
   </p:clrMapOvr>
-  <p:timing>
-    <p:tnLst>
-      <p:par>
-        <p:cTn id="1" dur="indefinite" restart="never" nodeType="tmRoot"/>
-      </p:par>
-    </p:tnLst>
-  </p:timing>
 </p:sld>
 </file>
 
@@ -8291,15 +8255,15 @@
           <a:lstStyle/>
           <a:p>
             <a:r>
-              <a:rPr lang="de-DE" b="1" dirty="0" smtClean="0"/>
+              <a:rPr lang="de-DE" b="1" dirty="0"/>
               <a:t>1) Goal-driven facilitation of a specific orientation </a:t>
             </a:r>
             <a:r>
-              <a:rPr lang="de-DE" dirty="0" smtClean="0"/>
+              <a:rPr lang="de-DE" dirty="0"/>
               <a:t>implemented as </a:t>
             </a:r>
             <a:r>
-              <a:rPr lang="de-DE" dirty="0" smtClean="0">
+              <a:rPr lang="de-DE" dirty="0">
                 <a:solidFill>
                   <a:schemeClr val="accent6">
                     <a:lumMod val="75000"/>
@@ -8630,7 +8594,7 @@
                           <m:endChr m:val="]"/>
                           <m:ctrlPr>
                             <a:rPr lang="de-DE" sz="1600" b="0" i="1" smtClean="0">
-                              <a:latin typeface="Cambria Math"/>
+                              <a:latin typeface="Cambria Math" panose="02040503050406030204" pitchFamily="18" charset="0"/>
                             </a:rPr>
                           </m:ctrlPr>
                         </m:dPr>
@@ -8805,7 +8769,7 @@
                           <m:endChr m:val="]"/>
                           <m:ctrlPr>
                             <a:rPr lang="de-DE" sz="1600" b="0" i="1" smtClean="0">
-                              <a:latin typeface="Cambria Math"/>
+                              <a:latin typeface="Cambria Math" panose="02040503050406030204" pitchFamily="18" charset="0"/>
                             </a:rPr>
                           </m:ctrlPr>
                         </m:dPr>
@@ -9289,7 +9253,7 @@
               <a:lstStyle/>
               <a:p>
                 <a:r>
-                  <a:rPr lang="de-DE" dirty="0" smtClean="0">
+                  <a:rPr lang="de-DE" dirty="0">
                     <a:solidFill>
                       <a:srgbClr val="C00000"/>
                     </a:solidFill>
@@ -9297,7 +9261,7 @@
                   <a:t>Open question: </a:t>
                 </a:r>
                 <a:r>
-                  <a:rPr lang="de-DE" dirty="0" smtClean="0"/>
+                  <a:rPr lang="de-DE" dirty="0"/>
                   <a:t>what happens for the other orientation? 	</a:t>
                 </a:r>
                 <a14:m>
@@ -9338,7 +9302,7 @@
                   </m:oMath>
                 </a14:m>
                 <a:r>
-                  <a:rPr lang="en-US" dirty="0" smtClean="0"/>
+                  <a:rPr lang="en-US" dirty="0"/>
                   <a:t> = 0 	or </a:t>
                 </a:r>
                 <a14:m>
@@ -9390,7 +9354,7 @@
                   </m:oMath>
                 </a14:m>
                 <a:r>
-                  <a:rPr lang="en-US" dirty="0" smtClean="0"/>
+                  <a:rPr lang="en-US" dirty="0"/>
                   <a:t>= - </a:t>
                 </a:r>
                 <a14:m>
@@ -10134,13 +10098,6 @@
   <p:clrMapOvr>
     <a:masterClrMapping/>
   </p:clrMapOvr>
-  <p:timing>
-    <p:tnLst>
-      <p:par>
-        <p:cTn id="1" dur="indefinite" restart="never" nodeType="tmRoot"/>
-      </p:par>
-    </p:tnLst>
-  </p:timing>
 </p:sld>
 </file>
 
@@ -11909,11 +11866,11 @@
           <a:lstStyle/>
           <a:p>
             <a:r>
-              <a:rPr lang="de-DE" dirty="0" smtClean="0"/>
+              <a:rPr lang="de-DE" dirty="0"/>
               <a:t>2) Goal-driven facilitation of a specific percept (orientation) </a:t>
             </a:r>
             <a:r>
-              <a:rPr lang="de-DE" b="1" dirty="0" smtClean="0"/>
+              <a:rPr lang="de-DE" b="1" dirty="0"/>
               <a:t>implemented as excitatory and inhibitory drive from the attention layer</a:t>
             </a:r>
             <a:endParaRPr lang="en-US" b="1" dirty="0"/>
@@ -12566,7 +12523,7 @@
           <a:lstStyle/>
           <a:p>
             <a:r>
-              <a:rPr lang="de-DE" dirty="0" smtClean="0">
+              <a:rPr lang="de-DE" dirty="0">
                 <a:solidFill>
                   <a:srgbClr val="C00000"/>
                 </a:solidFill>
@@ -12576,7 +12533,7 @@
           </a:p>
           <a:p>
             <a:r>
-              <a:rPr lang="de-DE" dirty="0" smtClean="0">
+              <a:rPr lang="de-DE" dirty="0">
                 <a:solidFill>
                   <a:srgbClr val="C00000"/>
                 </a:solidFill>
@@ -12586,7 +12543,7 @@
           </a:p>
           <a:p>
             <a:r>
-              <a:rPr lang="de-DE" dirty="0" smtClean="0">
+              <a:rPr lang="de-DE" dirty="0">
                 <a:solidFill>
                   <a:srgbClr val="C00000"/>
                 </a:solidFill>
@@ -12596,7 +12553,7 @@
           </a:p>
           <a:p>
             <a:r>
-              <a:rPr lang="de-DE" dirty="0" smtClean="0">
+              <a:rPr lang="de-DE" dirty="0">
                 <a:solidFill>
                   <a:srgbClr val="C00000"/>
                 </a:solidFill>
@@ -12606,7 +12563,7 @@
           </a:p>
           <a:p>
             <a:r>
-              <a:rPr lang="de-DE" dirty="0" smtClean="0"/>
+              <a:rPr lang="de-DE" dirty="0"/>
               <a:t> </a:t>
             </a:r>
             <a:endParaRPr lang="en-US" dirty="0"/>
@@ -12636,7 +12593,7 @@
           <a:lstStyle/>
           <a:p>
             <a:r>
-              <a:rPr lang="de-DE" dirty="0" smtClean="0"/>
+              <a:rPr lang="de-DE" dirty="0"/>
               <a:t>How to implement goal-driven facilitation? </a:t>
             </a:r>
             <a:endParaRPr lang="en-US" dirty="0"/>
@@ -15219,7 +15176,7 @@
           <a:lstStyle/>
           <a:p>
             <a:r>
-              <a:rPr lang="de-DE" dirty="0" smtClean="0"/>
+              <a:rPr lang="de-DE" dirty="0"/>
               <a:t>Why not goal-driven facilitation on the summation level? </a:t>
             </a:r>
             <a:endParaRPr lang="en-US" dirty="0"/>
@@ -15249,11 +15206,11 @@
           <a:lstStyle/>
           <a:p>
             <a:r>
-              <a:rPr lang="de-DE" dirty="0" smtClean="0"/>
+              <a:rPr lang="de-DE" dirty="0"/>
               <a:t>2) Goal-driven facilitation of a specific percept (orientation) </a:t>
             </a:r>
             <a:r>
-              <a:rPr lang="de-DE" b="1" dirty="0" smtClean="0"/>
+              <a:rPr lang="de-DE" b="1" dirty="0"/>
               <a:t>implemented as excitatory and inhibitory drive from the attention layer</a:t>
             </a:r>
             <a:endParaRPr lang="en-US" b="1" dirty="0"/>
@@ -17090,7 +17047,7 @@
           <a:lstStyle/>
           <a:p>
             <a:r>
-              <a:rPr lang="de-DE" b="1" dirty="0" smtClean="0"/>
+              <a:rPr lang="de-DE" b="1" dirty="0"/>
               <a:t>Spatial attention: facilitation of a sensory input for one eye </a:t>
             </a:r>
             <a:endParaRPr lang="en-US" dirty="0"/>
@@ -17377,7 +17334,7 @@
           <a:lstStyle/>
           <a:p>
             <a:r>
-              <a:rPr lang="de-DE" dirty="0" smtClean="0"/>
+              <a:rPr lang="de-DE" dirty="0"/>
               <a:t>Spatial attention</a:t>
             </a:r>
             <a:endParaRPr lang="en-US" dirty="0"/>
@@ -18106,7 +18063,7 @@
           <a:lstStyle/>
           <a:p>
             <a:r>
-              <a:rPr lang="de-DE" dirty="0" smtClean="0"/>
+              <a:rPr lang="de-DE" dirty="0"/>
               <a:t>Does the voluntary attention and sensory-based attention interact? </a:t>
             </a:r>
             <a:endParaRPr lang="en-US" dirty="0"/>
@@ -22738,7 +22695,7 @@
               <a:lstStyle/>
               <a:p>
                 <a:r>
-                  <a:rPr lang="de-DE" dirty="0" smtClean="0"/>
+                  <a:rPr lang="de-DE" dirty="0"/>
                   <a:t>RE-LE Opponency</a:t>
                 </a:r>
                 <a:endParaRPr lang="en-US" dirty="0"/>
@@ -22768,7 +22725,7 @@
               <a:lstStyle/>
               <a:p>
                 <a:r>
-                  <a:rPr lang="de-DE" dirty="0" smtClean="0"/>
+                  <a:rPr lang="de-DE" dirty="0"/>
                   <a:t>LE-RE Opponency</a:t>
                 </a:r>
                 <a:endParaRPr lang="en-US" dirty="0"/>
@@ -22798,7 +22755,7 @@
               <a:lstStyle/>
               <a:p>
                 <a:r>
-                  <a:rPr lang="de-DE" dirty="0" smtClean="0"/>
+                  <a:rPr lang="de-DE" dirty="0"/>
                   <a:t>Attention</a:t>
                 </a:r>
                 <a:endParaRPr lang="en-US" dirty="0"/>
@@ -22828,7 +22785,7 @@
               <a:lstStyle/>
               <a:p>
                 <a:r>
-                  <a:rPr lang="de-DE" dirty="0" smtClean="0"/>
+                  <a:rPr lang="de-DE" dirty="0"/>
                   <a:t>Summation</a:t>
                 </a:r>
                 <a:endParaRPr lang="en-US" dirty="0"/>
@@ -23013,7 +22970,7 @@
               <a:lstStyle/>
               <a:p>
                 <a:r>
-                  <a:rPr lang="de-DE" dirty="0" smtClean="0"/>
+                  <a:rPr lang="de-DE" dirty="0"/>
                   <a:t>Left monocular</a:t>
                 </a:r>
                 <a:endParaRPr lang="en-US" dirty="0"/>
@@ -23043,7 +23000,7 @@
               <a:lstStyle/>
               <a:p>
                 <a:r>
-                  <a:rPr lang="de-DE" dirty="0" smtClean="0"/>
+                  <a:rPr lang="de-DE" dirty="0"/>
                   <a:t>Right monocular</a:t>
                 </a:r>
                 <a:endParaRPr lang="en-US" dirty="0"/>
@@ -23225,33 +23182,32 @@
               <a:buChar char="•"/>
             </a:pPr>
             <a:r>
-              <a:rPr lang="en-US" b="1" dirty="0" smtClean="0"/>
+              <a:rPr lang="en-US" b="1" dirty="0"/>
               <a:t>Mutual inhibition</a:t>
             </a:r>
             <a:r>
-              <a:rPr lang="en-US" dirty="0" smtClean="0"/>
+              <a:rPr lang="en-US" dirty="0"/>
               <a:t>: The </a:t>
             </a:r>
             <a:r>
-              <a:rPr lang="en-US" dirty="0" err="1" smtClean="0"/>
+              <a:rPr lang="en-US" dirty="0" err="1"/>
               <a:t>interocular</a:t>
             </a:r>
             <a:r>
-              <a:rPr lang="en-US" dirty="0" smtClean="0"/>
+              <a:rPr lang="en-US" dirty="0"/>
               <a:t> conflict between two percepts is here mediated through </a:t>
             </a:r>
             <a:r>
-              <a:rPr lang="en-US" dirty="0" err="1" smtClean="0"/>
+              <a:rPr lang="en-US" dirty="0" err="1"/>
               <a:t>opponency</a:t>
             </a:r>
             <a:r>
-              <a:rPr lang="en-US" dirty="0" smtClean="0"/>
+              <a:rPr lang="en-US" dirty="0"/>
               <a:t> neurons.</a:t>
             </a:r>
-            <a:endParaRPr lang="en-US" dirty="0"/>
           </a:p>
           <a:p>
-            <a:endParaRPr lang="en-US" b="1" dirty="0" smtClean="0"/>
+            <a:endParaRPr lang="en-US" b="1" dirty="0"/>
           </a:p>
           <a:p>
             <a:pPr marL="285750" indent="-285750">
@@ -23259,12 +23215,8 @@
               <a:buChar char="•"/>
             </a:pPr>
             <a:r>
-              <a:rPr lang="en-US" b="1" dirty="0" smtClean="0"/>
-              <a:t>Saliency</a:t>
-            </a:r>
-            <a:r>
               <a:rPr lang="en-US" b="1" dirty="0"/>
-              <a:t>:</a:t>
+              <a:t>Saliency:</a:t>
             </a:r>
             <a:r>
               <a:rPr lang="en-US" dirty="0"/>
@@ -23304,7 +23256,7 @@
           <a:lstStyle/>
           <a:p>
             <a:r>
-              <a:rPr lang="de-DE" dirty="0" smtClean="0">
+              <a:rPr lang="de-DE" dirty="0">
                 <a:solidFill>
                   <a:srgbClr val="FF0000"/>
                 </a:solidFill>
@@ -23329,13 +23281,6 @@
   <p:clrMapOvr>
     <a:masterClrMapping/>
   </p:clrMapOvr>
-  <p:timing>
-    <p:tnLst>
-      <p:par>
-        <p:cTn id="1" dur="indefinite" restart="never" nodeType="tmRoot"/>
-      </p:par>
-    </p:tnLst>
-  </p:timing>
 </p:sld>
 </file>
 
@@ -23378,27 +23323,6 @@
               <a:t>Simulated dynamic of binocular rivalry depends on attention</a:t>
             </a:r>
             <a:endParaRPr lang="en-US" b="1" dirty="0"/>
-          </a:p>
-        </p:txBody>
-      </p:sp>
-      <p:sp>
-        <p:nvSpPr>
-          <p:cNvPr id="3" name="Content Placeholder 2"/>
-          <p:cNvSpPr>
-            <a:spLocks noGrp="1"/>
-          </p:cNvSpPr>
-          <p:nvPr>
-            <p:ph idx="1"/>
-          </p:nvPr>
-        </p:nvSpPr>
-        <p:spPr/>
-        <p:txBody>
-          <a:bodyPr>
-            <a:normAutofit/>
-          </a:bodyPr>
-          <a:lstStyle/>
-          <a:p>
-            <a:endParaRPr lang="en-US" dirty="0"/>
           </a:p>
         </p:txBody>
       </p:sp>
@@ -23511,7 +23435,7 @@
           </a:lstStyle>
           <a:p>
             <a:r>
-              <a:rPr lang="de-DE" b="1" dirty="0" smtClean="0"/>
+              <a:rPr lang="de-DE" b="1" dirty="0"/>
               <a:t>Our replication of Fig. 2</a:t>
             </a:r>
             <a:endParaRPr lang="en-US" b="1" dirty="0"/>
@@ -23528,13 +23452,6 @@
   <p:clrMapOvr>
     <a:masterClrMapping/>
   </p:clrMapOvr>
-  <p:timing>
-    <p:tnLst>
-      <p:par>
-        <p:cTn id="1" dur="indefinite" restart="never" nodeType="tmRoot"/>
-      </p:par>
-    </p:tnLst>
-  </p:timing>
 </p:sld>
 </file>
 
@@ -23578,13 +23495,13 @@
           <a:lstStyle/>
           <a:p>
             <a:r>
-              <a:rPr lang="de-DE" b="1" dirty="0" smtClean="0"/>
+              <a:rPr lang="de-DE" b="1" dirty="0"/>
               <a:t>1-starting point: „our intution“</a:t>
             </a:r>
           </a:p>
           <a:p>
             <a:r>
-              <a:rPr lang="de-DE" dirty="0" smtClean="0"/>
+              <a:rPr lang="de-DE" dirty="0"/>
               <a:t>The goal is to hold onto/focus on a pre-defined orientation (it‘s percept) independent of the sensory strength. </a:t>
             </a:r>
           </a:p>
@@ -23613,7 +23530,7 @@
           <a:lstStyle/>
           <a:p>
             <a:r>
-              <a:rPr lang="de-DE" sz="2000" dirty="0" smtClean="0"/>
+              <a:rPr lang="de-DE" sz="2000" dirty="0"/>
               <a:t>How to implement goal-driven attention /voluntary attention in the model? What is the simplest intrinsic cortical computational solution to increase the firing rate of a neuron for a pre-defined orientation?  </a:t>
             </a:r>
           </a:p>
@@ -23622,11 +23539,11 @@
               <a:buAutoNum type="arabicParenR"/>
             </a:pPr>
             <a:r>
-              <a:rPr lang="de-DE" sz="2000" dirty="0" smtClean="0"/>
+              <a:rPr lang="de-DE" sz="2000" dirty="0"/>
               <a:t>implemented as </a:t>
             </a:r>
             <a:r>
-              <a:rPr lang="de-DE" sz="2000" dirty="0" smtClean="0">
+              <a:rPr lang="de-DE" sz="2000" dirty="0">
                 <a:solidFill>
                   <a:schemeClr val="accent6">
                     <a:lumMod val="75000"/>
@@ -23642,14 +23559,10 @@
             </a:pPr>
             <a:r>
               <a:rPr lang="de-DE" sz="2000" dirty="0"/>
-              <a:t>i</a:t>
+              <a:t>implemented as </a:t>
             </a:r>
             <a:r>
-              <a:rPr lang="de-DE" sz="2000" dirty="0" smtClean="0"/>
-              <a:t>mplemented as </a:t>
-            </a:r>
-            <a:r>
-              <a:rPr lang="de-DE" sz="2000" dirty="0" smtClean="0">
+              <a:rPr lang="de-DE" sz="2000" dirty="0">
                 <a:solidFill>
                   <a:schemeClr val="accent6">
                     <a:lumMod val="75000"/>
@@ -23664,7 +23577,7 @@
               <a:buAutoNum type="arabicParenR"/>
             </a:pPr>
             <a:r>
-              <a:rPr lang="de-DE" sz="2000" dirty="0" smtClean="0"/>
+              <a:rPr lang="de-DE" sz="2000" dirty="0"/>
               <a:t>Why not a attentional drive on summation neurons to change the percept?</a:t>
             </a:r>
           </a:p>
@@ -23693,13 +23606,13 @@
           <a:lstStyle/>
           <a:p>
             <a:r>
-              <a:rPr lang="de-DE" b="1" dirty="0" smtClean="0"/>
+              <a:rPr lang="de-DE" b="1" dirty="0"/>
               <a:t>2-starting point: From Hancock &amp; Andrews (2007):</a:t>
             </a:r>
           </a:p>
           <a:p>
             <a:r>
-              <a:rPr lang="de-DE" dirty="0" smtClean="0"/>
+              <a:rPr lang="de-DE" dirty="0"/>
               <a:t>„The voluntary attention influences the ongoing changs in perceptual dominance that accompany longer periods of binocular rivalry. Voluntary attention didnot  increase the mean dominance period of the attended grating, but rather decreased the mean dominance period of the non-attended grating. This pattern is analgogous to increasing the perceived contrast of the attended grating.“</a:t>
             </a:r>
             <a:endParaRPr lang="en-US" dirty="0"/>
@@ -23772,7 +23685,7 @@
               <a:buChar char="Ø"/>
             </a:pPr>
             <a:r>
-              <a:rPr lang="de-DE" dirty="0" smtClean="0"/>
+              <a:rPr lang="de-DE" dirty="0"/>
               <a:t>The following slides are based on „our intution“</a:t>
             </a:r>
             <a:endParaRPr lang="en-US" dirty="0"/>
@@ -23789,13 +23702,6 @@
   <p:clrMapOvr>
     <a:masterClrMapping/>
   </p:clrMapOvr>
-  <p:timing>
-    <p:tnLst>
-      <p:par>
-        <p:cTn id="1" dur="indefinite" restart="never" nodeType="tmRoot"/>
-      </p:par>
-    </p:tnLst>
-  </p:timing>
 </p:sld>
 </file>
 
@@ -23816,8 +23722,8 @@
           <a:chExt cx="0" cy="0"/>
         </a:xfrm>
       </p:grpSpPr>
-      <mc:AlternateContent xmlns:mc="http://schemas.openxmlformats.org/markup-compatibility/2006">
-        <mc:Choice xmlns:a14="http://schemas.microsoft.com/office/drawing/2010/main" Requires="a14">
+      <mc:AlternateContent xmlns:mc="http://schemas.openxmlformats.org/markup-compatibility/2006" xmlns:a14="http://schemas.microsoft.com/office/drawing/2010/main">
+        <mc:Choice Requires="a14">
           <p:sp>
             <p:nvSpPr>
               <p:cNvPr id="7" name="TextBox 6"/>
@@ -23858,13 +23764,7 @@
                       <a:rPr lang="de-DE" b="0" i="1" baseline="-25000" smtClean="0">
                         <a:latin typeface="Cambria Math"/>
                       </a:rPr>
-                      <m:t>1</m:t>
-                    </m:r>
-                    <m:r>
-                      <a:rPr lang="de-DE" b="0" i="1" smtClean="0">
-                        <a:latin typeface="Cambria Math"/>
-                      </a:rPr>
-                      <m:t>=(</m:t>
+                      <m:t>1=(</m:t>
                     </m:r>
                     <m:r>
                       <a:rPr lang="de-DE" b="0" i="1" smtClean="0">
@@ -23926,19 +23826,18 @@
                   </m:oMath>
                 </a14:m>
                 <a:r>
-                  <a:rPr lang="en-US" sz="2000" dirty="0" smtClean="0"/>
+                  <a:rPr lang="en-US" sz="2000" dirty="0"/>
                   <a:t>)</a:t>
                 </a:r>
                 <a:r>
-                  <a:rPr lang="en-US" sz="2000" baseline="30000" dirty="0" smtClean="0"/>
+                  <a:rPr lang="en-US" sz="2000" baseline="30000" dirty="0"/>
                   <a:t>n</a:t>
                 </a:r>
-                <a:endParaRPr lang="en-US" sz="2000" baseline="30000" dirty="0"/>
               </a:p>
             </p:txBody>
           </p:sp>
         </mc:Choice>
-        <mc:Fallback>
+        <mc:Fallback xmlns="">
           <p:sp>
             <p:nvSpPr>
               <p:cNvPr id="7" name="TextBox 6"/>
@@ -24000,13 +23899,13 @@
           <a:lstStyle/>
           <a:p>
             <a:r>
-              <a:rPr lang="de-DE" dirty="0" smtClean="0"/>
+              <a:rPr lang="de-DE" dirty="0"/>
               <a:t>Change in the excitatory drive </a:t>
             </a:r>
           </a:p>
           <a:p>
             <a:r>
-              <a:rPr lang="de-DE" dirty="0" smtClean="0"/>
+              <a:rPr lang="de-DE" dirty="0"/>
               <a:t>of the attention population:  </a:t>
             </a:r>
             <a:endParaRPr lang="en-US" dirty="0"/>
@@ -24021,7 +23920,7 @@
         </p:nvGrpSpPr>
         <p:grpSpPr>
           <a:xfrm>
-            <a:off x="4605088" y="2355292"/>
+            <a:off x="4607173" y="2357673"/>
             <a:ext cx="247439" cy="227157"/>
             <a:chOff x="4166452" y="2306983"/>
             <a:chExt cx="169874" cy="153924"/>
@@ -24131,7 +24030,7 @@
         </p:nvGrpSpPr>
         <p:grpSpPr>
           <a:xfrm>
-            <a:off x="3903068" y="2360856"/>
+            <a:off x="3926680" y="2360856"/>
             <a:ext cx="247439" cy="224908"/>
             <a:chOff x="4995471" y="2280215"/>
             <a:chExt cx="169874" cy="152400"/>
@@ -24241,13 +24140,15 @@
       <p:cxnSp>
         <p:nvCxnSpPr>
           <p:cNvPr id="316" name="Straight Arrow Connector 315"/>
-          <p:cNvCxnSpPr/>
+          <p:cNvCxnSpPr>
+            <a:cxnSpLocks/>
+          </p:cNvCxnSpPr>
           <p:nvPr/>
         </p:nvCxnSpPr>
         <p:spPr>
           <a:xfrm>
-            <a:off x="4031285" y="1924095"/>
-            <a:ext cx="0" cy="436761"/>
+            <a:off x="4049970" y="2196558"/>
+            <a:ext cx="0" cy="164298"/>
           </a:xfrm>
           <a:prstGeom prst="straightConnector1">
             <a:avLst/>
@@ -24281,13 +24182,15 @@
       <p:cxnSp>
         <p:nvCxnSpPr>
           <p:cNvPr id="318" name="Straight Arrow Connector 317"/>
-          <p:cNvCxnSpPr/>
+          <p:cNvCxnSpPr>
+            <a:cxnSpLocks/>
+          </p:cNvCxnSpPr>
           <p:nvPr/>
         </p:nvCxnSpPr>
         <p:spPr>
           <a:xfrm>
-            <a:off x="4728807" y="1924364"/>
-            <a:ext cx="0" cy="436761"/>
+            <a:off x="4728808" y="2209800"/>
+            <a:ext cx="1919" cy="151325"/>
           </a:xfrm>
           <a:prstGeom prst="straightConnector1">
             <a:avLst/>
@@ -28883,7 +28786,7 @@
               <a:lstStyle/>
               <a:p>
                 <a:r>
-                  <a:rPr lang="de-DE" dirty="0" smtClean="0"/>
+                  <a:rPr lang="de-DE" dirty="0"/>
                   <a:t>RE-LE Opponency</a:t>
                 </a:r>
                 <a:endParaRPr lang="en-US" dirty="0"/>
@@ -28913,7 +28816,7 @@
               <a:lstStyle/>
               <a:p>
                 <a:r>
-                  <a:rPr lang="de-DE" dirty="0" smtClean="0"/>
+                  <a:rPr lang="de-DE" dirty="0"/>
                   <a:t>LE-RE Opponency</a:t>
                 </a:r>
                 <a:endParaRPr lang="en-US" dirty="0"/>
@@ -28943,7 +28846,7 @@
               <a:lstStyle/>
               <a:p>
                 <a:r>
-                  <a:rPr lang="de-DE" dirty="0" smtClean="0"/>
+                  <a:rPr lang="de-DE" dirty="0"/>
                   <a:t>Attention</a:t>
                 </a:r>
                 <a:endParaRPr lang="en-US" dirty="0"/>
@@ -28973,7 +28876,7 @@
               <a:lstStyle/>
               <a:p>
                 <a:r>
-                  <a:rPr lang="de-DE" dirty="0" smtClean="0"/>
+                  <a:rPr lang="de-DE" dirty="0"/>
                   <a:t>Summation</a:t>
                 </a:r>
                 <a:endParaRPr lang="en-US" dirty="0"/>
@@ -29158,7 +29061,7 @@
               <a:lstStyle/>
               <a:p>
                 <a:r>
-                  <a:rPr lang="de-DE" dirty="0" smtClean="0"/>
+                  <a:rPr lang="de-DE" dirty="0"/>
                   <a:t>Left monocular</a:t>
                 </a:r>
                 <a:endParaRPr lang="en-US" dirty="0"/>
@@ -29188,7 +29091,7 @@
               <a:lstStyle/>
               <a:p>
                 <a:r>
-                  <a:rPr lang="de-DE" dirty="0" smtClean="0"/>
+                  <a:rPr lang="de-DE" dirty="0"/>
                   <a:t>Right monocular</a:t>
                 </a:r>
                 <a:endParaRPr lang="en-US" dirty="0"/>
@@ -29344,8 +29247,8 @@
           </p:style>
         </p:cxnSp>
       </p:grpSp>
-      <mc:AlternateContent xmlns:mc="http://schemas.openxmlformats.org/markup-compatibility/2006">
-        <mc:Choice xmlns:a14="http://schemas.microsoft.com/office/drawing/2010/main" Requires="a14">
+      <mc:AlternateContent xmlns:mc="http://schemas.openxmlformats.org/markup-compatibility/2006" xmlns:a14="http://schemas.microsoft.com/office/drawing/2010/main">
+        <mc:Choice Requires="a14">
           <p:sp>
             <p:nvSpPr>
               <p:cNvPr id="470" name="TextBox 469"/>
@@ -29386,13 +29289,7 @@
                       <a:rPr lang="de-DE" b="0" i="1" baseline="-25000" smtClean="0">
                         <a:latin typeface="Cambria Math"/>
                       </a:rPr>
-                      <m:t>2</m:t>
-                    </m:r>
-                    <m:r>
-                      <a:rPr lang="de-DE" b="0" i="1" smtClean="0">
-                        <a:latin typeface="Cambria Math"/>
-                      </a:rPr>
-                      <m:t>=(</m:t>
+                      <m:t>2=(</m:t>
                     </m:r>
                     <m:r>
                       <a:rPr lang="de-DE" b="0" i="1" smtClean="0">
@@ -29471,19 +29368,18 @@
                   </m:oMath>
                 </a14:m>
                 <a:r>
-                  <a:rPr lang="en-US" sz="2000" dirty="0" smtClean="0"/>
+                  <a:rPr lang="en-US" sz="2000" dirty="0"/>
                   <a:t>)</a:t>
                 </a:r>
                 <a:r>
-                  <a:rPr lang="en-US" sz="2000" baseline="30000" dirty="0" smtClean="0"/>
+                  <a:rPr lang="en-US" sz="2000" baseline="30000" dirty="0"/>
                   <a:t>n</a:t>
                 </a:r>
-                <a:endParaRPr lang="en-US" sz="2000" baseline="30000" dirty="0"/>
               </a:p>
             </p:txBody>
           </p:sp>
         </mc:Choice>
-        <mc:Fallback>
+        <mc:Fallback xmlns="">
           <p:sp>
             <p:nvSpPr>
               <p:cNvPr id="470" name="TextBox 469"/>
@@ -29532,7 +29428,12 @@
             <p:ph type="title"/>
           </p:nvPr>
         </p:nvSpPr>
-        <p:spPr/>
+        <p:spPr>
+          <a:xfrm>
+            <a:off x="5" y="3611"/>
+            <a:ext cx="9143990" cy="1105616"/>
+          </a:xfrm>
+        </p:spPr>
         <p:txBody>
           <a:bodyPr>
             <a:normAutofit fontScale="90000"/>
@@ -29540,10 +29441,271 @@
           <a:lstStyle/>
           <a:p>
             <a:r>
+              <a:rPr lang="en-DE" b="1" dirty="0"/>
+              <a:t>Model Alteration I:</a:t>
+            </a:r>
+            <a:br>
+              <a:rPr lang="en-DE" b="1" dirty="0"/>
+            </a:br>
+            <a:r>
+              <a:rPr lang="de-DE" b="1" dirty="0" err="1"/>
+              <a:t>Voluntary</a:t>
+            </a:r>
+            <a:r>
               <a:rPr lang="de-DE" b="1" dirty="0"/>
-              <a:t>Voluntary attention as facilitation &amp; suppression of the excitatory attentional drive</a:t>
+              <a:t> </a:t>
             </a:r>
-            <a:endParaRPr lang="en-US" dirty="0"/>
+            <a:r>
+              <a:rPr lang="de-DE" b="1" dirty="0" err="1"/>
+              <a:t>attention</a:t>
+            </a:r>
+            <a:r>
+              <a:rPr lang="de-DE" b="1" dirty="0"/>
+              <a:t> </a:t>
+            </a:r>
+            <a:r>
+              <a:rPr lang="de-DE" b="1" dirty="0" err="1"/>
+              <a:t>as</a:t>
+            </a:r>
+            <a:r>
+              <a:rPr lang="de-DE" b="1" dirty="0"/>
+              <a:t> </a:t>
+            </a:r>
+            <a:r>
+              <a:rPr lang="de-DE" b="1" dirty="0" err="1"/>
+              <a:t>facilitation</a:t>
+            </a:r>
+            <a:r>
+              <a:rPr lang="de-DE" b="1" dirty="0"/>
+              <a:t> </a:t>
+            </a:r>
+            <a:r>
+              <a:rPr lang="en-DE" b="1" dirty="0"/>
+              <a:t>by external </a:t>
+            </a:r>
+            <a:r>
+              <a:rPr lang="de-DE" b="1" dirty="0" err="1"/>
+              <a:t>attentional</a:t>
+            </a:r>
+            <a:r>
+              <a:rPr lang="de-DE" b="1" dirty="0"/>
+              <a:t> </a:t>
+            </a:r>
+            <a:r>
+              <a:rPr lang="de-DE" b="1" dirty="0" err="1"/>
+              <a:t>drive</a:t>
+            </a:r>
+            <a:endParaRPr lang="en-DE" dirty="0"/>
+          </a:p>
+        </p:txBody>
+      </p:sp>
+      <p:cxnSp>
+        <p:nvCxnSpPr>
+          <p:cNvPr id="163" name="Straight Arrow Connector 162">
+            <a:extLst>
+              <a:ext uri="{FF2B5EF4-FFF2-40B4-BE49-F238E27FC236}">
+                <a16:creationId xmlns:a16="http://schemas.microsoft.com/office/drawing/2014/main" id="{5A14C06F-6122-4ADA-811E-8C588E49F564}"/>
+              </a:ext>
+            </a:extLst>
+          </p:cNvPr>
+          <p:cNvCxnSpPr>
+            <a:cxnSpLocks/>
+          </p:cNvCxnSpPr>
+          <p:nvPr/>
+        </p:nvCxnSpPr>
+        <p:spPr>
+          <a:xfrm>
+            <a:off x="4031681" y="2209800"/>
+            <a:ext cx="716806" cy="0"/>
+          </a:xfrm>
+          <a:prstGeom prst="straightConnector1">
+            <a:avLst/>
+          </a:prstGeom>
+          <a:ln w="38100">
+            <a:solidFill>
+              <a:schemeClr val="accent6">
+                <a:lumMod val="75000"/>
+              </a:schemeClr>
+            </a:solidFill>
+            <a:prstDash val="solid"/>
+            <a:headEnd type="none" w="med" len="med"/>
+            <a:tailEnd type="none" w="med" len="med"/>
+          </a:ln>
+        </p:spPr>
+        <p:style>
+          <a:lnRef idx="1">
+            <a:schemeClr val="accent1"/>
+          </a:lnRef>
+          <a:fillRef idx="0">
+            <a:schemeClr val="accent1"/>
+          </a:fillRef>
+          <a:effectRef idx="0">
+            <a:schemeClr val="accent1"/>
+          </a:effectRef>
+          <a:fontRef idx="minor">
+            <a:schemeClr val="tx1"/>
+          </a:fontRef>
+        </p:style>
+      </p:cxnSp>
+      <p:cxnSp>
+        <p:nvCxnSpPr>
+          <p:cNvPr id="166" name="Straight Arrow Connector 165">
+            <a:extLst>
+              <a:ext uri="{FF2B5EF4-FFF2-40B4-BE49-F238E27FC236}">
+                <a16:creationId xmlns:a16="http://schemas.microsoft.com/office/drawing/2014/main" id="{AE0066ED-0091-4499-B8E9-F5B4EE985469}"/>
+              </a:ext>
+            </a:extLst>
+          </p:cNvPr>
+          <p:cNvCxnSpPr>
+            <a:cxnSpLocks/>
+          </p:cNvCxnSpPr>
+          <p:nvPr/>
+        </p:nvCxnSpPr>
+        <p:spPr>
+          <a:xfrm>
+            <a:off x="4417330" y="1924095"/>
+            <a:ext cx="0" cy="285705"/>
+          </a:xfrm>
+          <a:prstGeom prst="straightConnector1">
+            <a:avLst/>
+          </a:prstGeom>
+          <a:ln w="38100">
+            <a:solidFill>
+              <a:schemeClr val="accent6">
+                <a:lumMod val="75000"/>
+              </a:schemeClr>
+            </a:solidFill>
+            <a:prstDash val="solid"/>
+            <a:headEnd type="none" w="med" len="med"/>
+            <a:tailEnd type="none" w="med" len="med"/>
+          </a:ln>
+        </p:spPr>
+        <p:style>
+          <a:lnRef idx="1">
+            <a:schemeClr val="accent1"/>
+          </a:lnRef>
+          <a:fillRef idx="0">
+            <a:schemeClr val="accent1"/>
+          </a:fillRef>
+          <a:effectRef idx="0">
+            <a:schemeClr val="accent1"/>
+          </a:effectRef>
+          <a:fontRef idx="minor">
+            <a:schemeClr val="tx1"/>
+          </a:fontRef>
+        </p:style>
+      </p:cxnSp>
+      <p:sp>
+        <p:nvSpPr>
+          <p:cNvPr id="23" name="Rectangle 22">
+            <a:extLst>
+              <a:ext uri="{FF2B5EF4-FFF2-40B4-BE49-F238E27FC236}">
+                <a16:creationId xmlns:a16="http://schemas.microsoft.com/office/drawing/2014/main" id="{85D08760-A6A0-47E5-88C5-E4B104041E37}"/>
+              </a:ext>
+            </a:extLst>
+          </p:cNvPr>
+          <p:cNvSpPr/>
+          <p:nvPr/>
+        </p:nvSpPr>
+        <p:spPr>
+          <a:xfrm>
+            <a:off x="9144000" y="185897"/>
+            <a:ext cx="4572000" cy="923330"/>
+          </a:xfrm>
+          <a:prstGeom prst="rect">
+            <a:avLst/>
+          </a:prstGeom>
+        </p:spPr>
+        <p:txBody>
+          <a:bodyPr>
+            <a:spAutoFit/>
+          </a:bodyPr>
+          <a:lstStyle/>
+          <a:p>
+            <a:r>
+              <a:rPr lang="en-DE" b="1" dirty="0"/>
+              <a:t>Model Alteration I:</a:t>
+            </a:r>
+            <a:br>
+              <a:rPr lang="en-DE" b="1" dirty="0"/>
+            </a:br>
+            <a:r>
+              <a:rPr lang="de-DE" b="1" dirty="0" err="1"/>
+              <a:t>Voluntary</a:t>
+            </a:r>
+            <a:r>
+              <a:rPr lang="de-DE" b="1" dirty="0"/>
+              <a:t> </a:t>
+            </a:r>
+            <a:r>
+              <a:rPr lang="de-DE" b="1" dirty="0" err="1"/>
+              <a:t>attention</a:t>
+            </a:r>
+            <a:r>
+              <a:rPr lang="de-DE" b="1" dirty="0"/>
+              <a:t> </a:t>
+            </a:r>
+            <a:r>
+              <a:rPr lang="de-DE" b="1" dirty="0" err="1"/>
+              <a:t>as</a:t>
+            </a:r>
+            <a:r>
+              <a:rPr lang="de-DE" b="1" dirty="0"/>
+              <a:t> </a:t>
+            </a:r>
+            <a:r>
+              <a:rPr lang="de-DE" b="1" dirty="0" err="1"/>
+              <a:t>facilitation</a:t>
+            </a:r>
+            <a:r>
+              <a:rPr lang="de-DE" b="1" dirty="0"/>
+              <a:t> &amp; </a:t>
+            </a:r>
+            <a:r>
+              <a:rPr lang="de-DE" b="1" dirty="0" err="1"/>
+              <a:t>suppression</a:t>
+            </a:r>
+            <a:r>
+              <a:rPr lang="de-DE" b="1" dirty="0"/>
+              <a:t> </a:t>
+            </a:r>
+            <a:r>
+              <a:rPr lang="de-DE" b="1" dirty="0" err="1"/>
+              <a:t>of</a:t>
+            </a:r>
+            <a:r>
+              <a:rPr lang="de-DE" b="1" dirty="0"/>
+              <a:t> </a:t>
+            </a:r>
+            <a:r>
+              <a:rPr lang="de-DE" b="1" dirty="0" err="1"/>
+              <a:t>the</a:t>
+            </a:r>
+            <a:r>
+              <a:rPr lang="de-DE" b="1" dirty="0"/>
+              <a:t> </a:t>
+            </a:r>
+            <a:r>
+              <a:rPr lang="de-DE" b="1" dirty="0" err="1"/>
+              <a:t>excitatory</a:t>
+            </a:r>
+            <a:r>
+              <a:rPr lang="de-DE" b="1" dirty="0"/>
+              <a:t> </a:t>
+            </a:r>
+            <a:r>
+              <a:rPr lang="de-DE" b="1" dirty="0" err="1"/>
+              <a:t>attentional</a:t>
+            </a:r>
+            <a:r>
+              <a:rPr lang="de-DE" b="1" dirty="0"/>
+              <a:t> </a:t>
+            </a:r>
+            <a:r>
+              <a:rPr lang="de-DE" b="1" dirty="0" err="1"/>
+              <a:t>drive</a:t>
+            </a:r>
+            <a:endParaRPr lang="en-DE" dirty="0"/>
           </a:p>
         </p:txBody>
       </p:sp>
@@ -29557,13 +29719,6 @@
   <p:clrMapOvr>
     <a:masterClrMapping/>
   </p:clrMapOvr>
-  <p:timing>
-    <p:tnLst>
-      <p:par>
-        <p:cTn id="1" dur="indefinite" restart="never" nodeType="tmRoot"/>
-      </p:par>
-    </p:tnLst>
-  </p:timing>
 </p:sld>
 </file>
 
@@ -29584,47 +29739,6 @@
           <a:chExt cx="0" cy="0"/>
         </a:xfrm>
       </p:grpSpPr>
-      <p:sp>
-        <p:nvSpPr>
-          <p:cNvPr id="8" name="TextBox 7"/>
-          <p:cNvSpPr txBox="1"/>
-          <p:nvPr/>
-        </p:nvSpPr>
-        <p:spPr>
-          <a:xfrm>
-            <a:off x="439725" y="1216223"/>
-            <a:ext cx="3031984" cy="646331"/>
-          </a:xfrm>
-          <a:prstGeom prst="rect">
-            <a:avLst/>
-          </a:prstGeom>
-          <a:noFill/>
-        </p:spPr>
-        <p:txBody>
-          <a:bodyPr wrap="none" rtlCol="0">
-            <a:spAutoFit/>
-          </a:bodyPr>
-          <a:lstStyle/>
-          <a:p>
-            <a:r>
-              <a:rPr lang="de-DE" dirty="0" smtClean="0"/>
-              <a:t>Change in the excitatory </a:t>
-            </a:r>
-            <a:r>
-              <a:rPr lang="de-DE" dirty="0" smtClean="0"/>
-              <a:t>drive </a:t>
-            </a:r>
-            <a:endParaRPr lang="de-DE" dirty="0" smtClean="0"/>
-          </a:p>
-          <a:p>
-            <a:r>
-              <a:rPr lang="de-DE" dirty="0" smtClean="0"/>
-              <a:t>of the attention population:  </a:t>
-            </a:r>
-            <a:endParaRPr lang="en-US" dirty="0"/>
-          </a:p>
-        </p:txBody>
-      </p:sp>
       <p:pic>
         <p:nvPicPr>
           <p:cNvPr id="2051" name="Picture 3" descr="C:\Users\kkaduk\Desktop\Kristin\GitHub\neuromatch_project\plots\example_plots\simulation_ext_attention_drive_[0.060,-0.060].png"/>
@@ -29646,7 +29760,7 @@
         </p:blipFill>
         <p:spPr bwMode="auto">
           <a:xfrm>
-            <a:off x="304800" y="3505200"/>
+            <a:off x="284480" y="3725875"/>
             <a:ext cx="5709797" cy="3132125"/>
           </a:xfrm>
           <a:prstGeom prst="rect">
@@ -29685,8 +29799,8 @@
         </p:blipFill>
         <p:spPr bwMode="auto">
           <a:xfrm>
-            <a:off x="228600" y="1981201"/>
-            <a:ext cx="6163120" cy="1368856"/>
+            <a:off x="448153" y="2201876"/>
+            <a:ext cx="7056087" cy="1567188"/>
           </a:xfrm>
           <a:prstGeom prst="rect">
             <a:avLst/>
@@ -29703,124 +29817,8 @@
           </a:extLst>
         </p:spPr>
       </p:pic>
-      <p:pic>
-        <p:nvPicPr>
-          <p:cNvPr id="163" name="Picture 3" descr="C:\Users\kkaduk\Desktop\Kristin\GitHub\neuromatch_project\plots\example_plots\simulation_ext_attention_drive_[0.060,-0.060].png"/>
-          <p:cNvPicPr>
-            <a:picLocks noChangeAspect="1" noChangeArrowheads="1"/>
-          </p:cNvPicPr>
-          <p:nvPr/>
-        </p:nvPicPr>
-        <p:blipFill rotWithShape="1">
-          <a:blip r:embed="rId2">
-            <a:extLst>
-              <a:ext uri="{28A0092B-C50C-407E-A947-70E740481C1C}">
-                <a14:useLocalDpi xmlns:a14="http://schemas.microsoft.com/office/drawing/2010/main" val="0"/>
-              </a:ext>
-            </a:extLst>
-          </a:blip>
-          <a:srcRect l="74957" t="-2150" r="-662" b="29615"/>
-          <a:stretch/>
-        </p:blipFill>
-        <p:spPr bwMode="auto">
-          <a:xfrm>
-            <a:off x="6166386" y="3505199"/>
-            <a:ext cx="1997943" cy="3132125"/>
-          </a:xfrm>
-          <a:prstGeom prst="rect">
-            <a:avLst/>
-          </a:prstGeom>
-          <a:noFill/>
-          <a:extLst>
-            <a:ext uri="{909E8E84-426E-40DD-AFC4-6F175D3DCCD1}">
-              <a14:hiddenFill xmlns:a14="http://schemas.microsoft.com/office/drawing/2010/main">
-                <a:solidFill>
-                  <a:srgbClr val="FFFFFF"/>
-                </a:solidFill>
-              </a14:hiddenFill>
-            </a:ext>
-          </a:extLst>
-        </p:spPr>
-      </p:pic>
-      <p:sp>
-        <p:nvSpPr>
-          <p:cNvPr id="164" name="TextBox 163"/>
-          <p:cNvSpPr txBox="1"/>
-          <p:nvPr/>
-        </p:nvSpPr>
-        <p:spPr>
-          <a:xfrm>
-            <a:off x="6653644" y="5361961"/>
-            <a:ext cx="3007426" cy="369332"/>
-          </a:xfrm>
-          <a:prstGeom prst="rect">
-            <a:avLst/>
-          </a:prstGeom>
-          <a:noFill/>
-        </p:spPr>
-        <p:txBody>
-          <a:bodyPr wrap="none" rtlCol="0">
-            <a:spAutoFit/>
-          </a:bodyPr>
-          <a:lstStyle/>
-          <a:p>
-            <a:r>
-              <a:rPr lang="de-DE" dirty="0" smtClean="0">
-                <a:solidFill>
-                  <a:srgbClr val="FF0000"/>
-                </a:solidFill>
-              </a:rPr>
-              <a:t>ToDO:Legend more informativ</a:t>
-            </a:r>
-            <a:endParaRPr lang="en-US" dirty="0">
-              <a:solidFill>
-                <a:srgbClr val="FF0000"/>
-              </a:solidFill>
-            </a:endParaRPr>
-          </a:p>
-        </p:txBody>
-      </p:sp>
-      <p:pic>
-        <p:nvPicPr>
-          <p:cNvPr id="165" name="Picture 3" descr="C:\Users\kkaduk\Desktop\Kristin\GitHub\neuromatch_project\plots\example_plots\simulation_ext_attention_drive_[0.060,-0.060].png"/>
-          <p:cNvPicPr>
-            <a:picLocks noChangeAspect="1" noChangeArrowheads="1"/>
-          </p:cNvPicPr>
-          <p:nvPr/>
-        </p:nvPicPr>
-        <p:blipFill rotWithShape="1">
-          <a:blip r:embed="rId2">
-            <a:extLst>
-              <a:ext uri="{28A0092B-C50C-407E-A947-70E740481C1C}">
-                <a14:useLocalDpi xmlns:a14="http://schemas.microsoft.com/office/drawing/2010/main" val="0"/>
-              </a:ext>
-            </a:extLst>
-          </a:blip>
-          <a:srcRect l="79327" t="52251" r="4485" b="36222"/>
-          <a:stretch/>
-        </p:blipFill>
-        <p:spPr bwMode="auto">
-          <a:xfrm>
-            <a:off x="6324600" y="2362200"/>
-            <a:ext cx="1258214" cy="497738"/>
-          </a:xfrm>
-          <a:prstGeom prst="rect">
-            <a:avLst/>
-          </a:prstGeom>
-          <a:noFill/>
-          <a:extLst>
-            <a:ext uri="{909E8E84-426E-40DD-AFC4-6F175D3DCCD1}">
-              <a14:hiddenFill xmlns:a14="http://schemas.microsoft.com/office/drawing/2010/main">
-                <a:solidFill>
-                  <a:srgbClr val="FFFFFF"/>
-                </a:solidFill>
-              </a14:hiddenFill>
-            </a:ext>
-          </a:extLst>
-        </p:spPr>
-      </p:pic>
-      <mc:AlternateContent xmlns:mc="http://schemas.openxmlformats.org/markup-compatibility/2006">
-        <mc:Choice xmlns:a14="http://schemas.microsoft.com/office/drawing/2010/main" Requires="a14">
+      <mc:AlternateContent xmlns:mc="http://schemas.openxmlformats.org/markup-compatibility/2006" xmlns:a14="http://schemas.microsoft.com/office/drawing/2010/main">
+        <mc:Choice Requires="a14">
           <p:sp>
             <p:nvSpPr>
               <p:cNvPr id="166" name="TextBox 165"/>
@@ -29861,13 +29859,7 @@
                       <a:rPr lang="de-DE" b="0" i="1" baseline="-25000" smtClean="0">
                         <a:latin typeface="Cambria Math"/>
                       </a:rPr>
-                      <m:t>1</m:t>
-                    </m:r>
-                    <m:r>
-                      <a:rPr lang="de-DE" b="0" i="1" smtClean="0">
-                        <a:latin typeface="Cambria Math"/>
-                      </a:rPr>
-                      <m:t>=(</m:t>
+                      <m:t>1=(</m:t>
                     </m:r>
                     <m:r>
                       <a:rPr lang="de-DE" b="0" i="1" smtClean="0">
@@ -29929,19 +29921,18 @@
                   </m:oMath>
                 </a14:m>
                 <a:r>
-                  <a:rPr lang="en-US" sz="2000" dirty="0" smtClean="0"/>
+                  <a:rPr lang="en-US" sz="2000" dirty="0"/>
                   <a:t>)</a:t>
                 </a:r>
                 <a:r>
-                  <a:rPr lang="en-US" sz="2000" baseline="30000" dirty="0" smtClean="0"/>
+                  <a:rPr lang="en-US" sz="2000" baseline="30000" dirty="0"/>
                   <a:t>n</a:t>
                 </a:r>
-                <a:endParaRPr lang="en-US" sz="2000" baseline="30000" dirty="0"/>
               </a:p>
             </p:txBody>
           </p:sp>
         </mc:Choice>
-        <mc:Fallback>
+        <mc:Fallback xmlns="">
           <p:sp>
             <p:nvSpPr>
               <p:cNvPr id="166" name="TextBox 165"/>
@@ -29980,8 +29971,8 @@
           </p:sp>
         </mc:Fallback>
       </mc:AlternateContent>
-      <mc:AlternateContent xmlns:mc="http://schemas.openxmlformats.org/markup-compatibility/2006">
-        <mc:Choice xmlns:a14="http://schemas.microsoft.com/office/drawing/2010/main" Requires="a14">
+      <mc:AlternateContent xmlns:mc="http://schemas.openxmlformats.org/markup-compatibility/2006" xmlns:a14="http://schemas.microsoft.com/office/drawing/2010/main">
+        <mc:Choice Requires="a14">
           <p:sp>
             <p:nvSpPr>
               <p:cNvPr id="167" name="TextBox 166"/>
@@ -30022,13 +30013,7 @@
                       <a:rPr lang="de-DE" b="0" i="1" baseline="-25000" smtClean="0">
                         <a:latin typeface="Cambria Math"/>
                       </a:rPr>
-                      <m:t>2</m:t>
-                    </m:r>
-                    <m:r>
-                      <a:rPr lang="de-DE" b="0" i="1" smtClean="0">
-                        <a:latin typeface="Cambria Math"/>
-                      </a:rPr>
-                      <m:t>=(</m:t>
+                      <m:t>2=(</m:t>
                     </m:r>
                     <m:r>
                       <a:rPr lang="de-DE" b="0" i="1" smtClean="0">
@@ -30107,19 +30092,18 @@
                   </m:oMath>
                 </a14:m>
                 <a:r>
-                  <a:rPr lang="en-US" sz="2000" dirty="0" smtClean="0"/>
+                  <a:rPr lang="en-US" sz="2000" dirty="0"/>
                   <a:t>)</a:t>
                 </a:r>
                 <a:r>
-                  <a:rPr lang="en-US" sz="2000" baseline="30000" dirty="0" smtClean="0"/>
+                  <a:rPr lang="en-US" sz="2000" baseline="30000" dirty="0"/>
                   <a:t>n</a:t>
                 </a:r>
-                <a:endParaRPr lang="en-US" sz="2000" baseline="30000" dirty="0"/>
               </a:p>
             </p:txBody>
           </p:sp>
         </mc:Choice>
-        <mc:Fallback>
+        <mc:Fallback xmlns="">
           <p:sp>
             <p:nvSpPr>
               <p:cNvPr id="167" name="TextBox 166"/>
@@ -30158,9 +30142,251 @@
           </p:sp>
         </mc:Fallback>
       </mc:AlternateContent>
+      <p:pic>
+        <p:nvPicPr>
+          <p:cNvPr id="3" name="Picture 2" descr="A close up of text on a white background&#10;&#10;Description automatically generated">
+            <a:extLst>
+              <a:ext uri="{FF2B5EF4-FFF2-40B4-BE49-F238E27FC236}">
+                <a16:creationId xmlns:a16="http://schemas.microsoft.com/office/drawing/2014/main" id="{08FE7288-1AC6-4B30-BEED-9B8461B47556}"/>
+              </a:ext>
+            </a:extLst>
+          </p:cNvPr>
+          <p:cNvPicPr>
+            <a:picLocks noChangeAspect="1"/>
+          </p:cNvPicPr>
+          <p:nvPr/>
+        </p:nvPicPr>
+        <p:blipFill rotWithShape="1">
+          <a:blip r:embed="rId5" cstate="print">
+            <a:extLst>
+              <a:ext uri="{28A0092B-C50C-407E-A947-70E740481C1C}">
+                <a14:useLocalDpi xmlns:a14="http://schemas.microsoft.com/office/drawing/2010/main" val="0"/>
+              </a:ext>
+            </a:extLst>
+          </a:blip>
+          <a:srcRect l="2399" r="1"/>
+          <a:stretch/>
+        </p:blipFill>
+        <p:spPr>
+          <a:xfrm>
+            <a:off x="5901222" y="3954475"/>
+            <a:ext cx="1032978" cy="609600"/>
+          </a:xfrm>
+          <a:prstGeom prst="rect">
+            <a:avLst/>
+          </a:prstGeom>
+        </p:spPr>
+      </p:pic>
+      <p:pic>
+        <p:nvPicPr>
+          <p:cNvPr id="13" name="Picture 12" descr="A close up of text on a white background&#10;&#10;Description automatically generated">
+            <a:extLst>
+              <a:ext uri="{FF2B5EF4-FFF2-40B4-BE49-F238E27FC236}">
+                <a16:creationId xmlns:a16="http://schemas.microsoft.com/office/drawing/2014/main" id="{928AFE58-131B-42FF-851C-C041C24EFFBC}"/>
+              </a:ext>
+            </a:extLst>
+          </p:cNvPr>
+          <p:cNvPicPr>
+            <a:picLocks noChangeAspect="1"/>
+          </p:cNvPicPr>
+          <p:nvPr/>
+        </p:nvPicPr>
+        <p:blipFill rotWithShape="1">
+          <a:blip r:embed="rId6" cstate="print">
+            <a:extLst>
+              <a:ext uri="{28A0092B-C50C-407E-A947-70E740481C1C}">
+                <a14:useLocalDpi xmlns:a14="http://schemas.microsoft.com/office/drawing/2010/main" val="0"/>
+              </a:ext>
+            </a:extLst>
+          </a:blip>
+          <a:srcRect/>
+          <a:stretch/>
+        </p:blipFill>
+        <p:spPr>
+          <a:xfrm>
+            <a:off x="7404100" y="2499056"/>
+            <a:ext cx="825500" cy="444499"/>
+          </a:xfrm>
+          <a:prstGeom prst="rect">
+            <a:avLst/>
+          </a:prstGeom>
+        </p:spPr>
+      </p:pic>
+      <p:pic>
+        <p:nvPicPr>
+          <p:cNvPr id="15" name="Picture 14" descr="A close up of text on a white background&#10;&#10;Description automatically generated">
+            <a:extLst>
+              <a:ext uri="{FF2B5EF4-FFF2-40B4-BE49-F238E27FC236}">
+                <a16:creationId xmlns:a16="http://schemas.microsoft.com/office/drawing/2014/main" id="{3FF925D2-13CE-4198-B0B3-E741CDAE8165}"/>
+              </a:ext>
+            </a:extLst>
+          </p:cNvPr>
+          <p:cNvPicPr>
+            <a:picLocks noChangeAspect="1"/>
+          </p:cNvPicPr>
+          <p:nvPr/>
+        </p:nvPicPr>
+        <p:blipFill rotWithShape="1">
+          <a:blip r:embed="rId7" cstate="print">
+            <a:extLst>
+              <a:ext uri="{28A0092B-C50C-407E-A947-70E740481C1C}">
+                <a14:useLocalDpi xmlns:a14="http://schemas.microsoft.com/office/drawing/2010/main" val="0"/>
+              </a:ext>
+            </a:extLst>
+          </a:blip>
+          <a:srcRect l="30458"/>
+          <a:stretch/>
+        </p:blipFill>
+        <p:spPr>
+          <a:xfrm>
+            <a:off x="5910580" y="4984570"/>
+            <a:ext cx="736022" cy="328805"/>
+          </a:xfrm>
+          <a:prstGeom prst="rect">
+            <a:avLst/>
+          </a:prstGeom>
+        </p:spPr>
+      </p:pic>
+      <p:pic>
+        <p:nvPicPr>
+          <p:cNvPr id="16" name="Picture 15" descr="A close up of text on a white background&#10;&#10;Description automatically generated">
+            <a:extLst>
+              <a:ext uri="{FF2B5EF4-FFF2-40B4-BE49-F238E27FC236}">
+                <a16:creationId xmlns:a16="http://schemas.microsoft.com/office/drawing/2014/main" id="{62D92AE5-7EB9-4084-9F5C-296CDFAD330E}"/>
+              </a:ext>
+            </a:extLst>
+          </p:cNvPr>
+          <p:cNvPicPr>
+            <a:picLocks noChangeAspect="1"/>
+          </p:cNvPicPr>
+          <p:nvPr/>
+        </p:nvPicPr>
+        <p:blipFill rotWithShape="1">
+          <a:blip r:embed="rId8" cstate="print">
+            <a:extLst>
+              <a:ext uri="{28A0092B-C50C-407E-A947-70E740481C1C}">
+                <a14:useLocalDpi xmlns:a14="http://schemas.microsoft.com/office/drawing/2010/main" val="0"/>
+              </a:ext>
+            </a:extLst>
+          </a:blip>
+          <a:srcRect l="44857"/>
+          <a:stretch/>
+        </p:blipFill>
+        <p:spPr>
+          <a:xfrm>
+            <a:off x="5897880" y="6011875"/>
+            <a:ext cx="583622" cy="320765"/>
+          </a:xfrm>
+          <a:prstGeom prst="rect">
+            <a:avLst/>
+          </a:prstGeom>
+        </p:spPr>
+      </p:pic>
       <p:sp>
         <p:nvSpPr>
-          <p:cNvPr id="4" name="Title 3"/>
+          <p:cNvPr id="8" name="TextBox 7"/>
+          <p:cNvSpPr txBox="1"/>
+          <p:nvPr/>
+        </p:nvSpPr>
+        <p:spPr>
+          <a:xfrm>
+            <a:off x="439725" y="1216223"/>
+            <a:ext cx="3031984" cy="1138773"/>
+          </a:xfrm>
+          <a:prstGeom prst="rect">
+            <a:avLst/>
+          </a:prstGeom>
+          <a:noFill/>
+        </p:spPr>
+        <p:txBody>
+          <a:bodyPr wrap="none" rtlCol="0">
+            <a:spAutoFit/>
+          </a:bodyPr>
+          <a:lstStyle/>
+          <a:p>
+            <a:r>
+              <a:rPr lang="en-US" dirty="0"/>
+              <a:t>Change in the excitatory drive </a:t>
+            </a:r>
+          </a:p>
+          <a:p>
+            <a:r>
+              <a:rPr lang="en-US" dirty="0"/>
+              <a:t>of the attention population: </a:t>
+            </a:r>
+          </a:p>
+          <a:p>
+            <a:endParaRPr lang="en-US" sz="1200" dirty="0"/>
+          </a:p>
+          <a:p>
+            <a:r>
+              <a:rPr lang="en-US" b="1" dirty="0"/>
+              <a:t>Result:</a:t>
+            </a:r>
+          </a:p>
+        </p:txBody>
+      </p:sp>
+      <p:sp>
+        <p:nvSpPr>
+          <p:cNvPr id="5" name="Rectangle 4">
+            <a:extLst>
+              <a:ext uri="{FF2B5EF4-FFF2-40B4-BE49-F238E27FC236}">
+                <a16:creationId xmlns:a16="http://schemas.microsoft.com/office/drawing/2014/main" id="{E91958AA-6FD1-42A0-A10A-E7349FFDE04A}"/>
+              </a:ext>
+            </a:extLst>
+          </p:cNvPr>
+          <p:cNvSpPr/>
+          <p:nvPr/>
+        </p:nvSpPr>
+        <p:spPr>
+          <a:xfrm>
+            <a:off x="487680" y="2306321"/>
+            <a:ext cx="7802880" cy="1391920"/>
+          </a:xfrm>
+          <a:prstGeom prst="rect">
+            <a:avLst/>
+          </a:prstGeom>
+          <a:noFill/>
+          <a:ln>
+            <a:solidFill>
+              <a:srgbClr val="FF0000"/>
+            </a:solidFill>
+          </a:ln>
+        </p:spPr>
+        <p:style>
+          <a:lnRef idx="2">
+            <a:schemeClr val="accent1">
+              <a:shade val="50000"/>
+            </a:schemeClr>
+          </a:lnRef>
+          <a:fillRef idx="1">
+            <a:schemeClr val="accent1"/>
+          </a:fillRef>
+          <a:effectRef idx="0">
+            <a:schemeClr val="accent1"/>
+          </a:effectRef>
+          <a:fontRef idx="minor">
+            <a:schemeClr val="lt1"/>
+          </a:fontRef>
+        </p:style>
+        <p:txBody>
+          <a:bodyPr rtlCol="0" anchor="ctr"/>
+          <a:lstStyle/>
+          <a:p>
+            <a:pPr algn="ctr"/>
+            <a:endParaRPr lang="en-DE"/>
+          </a:p>
+        </p:txBody>
+      </p:sp>
+      <p:sp>
+        <p:nvSpPr>
+          <p:cNvPr id="22" name="Title 470">
+            <a:extLst>
+              <a:ext uri="{FF2B5EF4-FFF2-40B4-BE49-F238E27FC236}">
+                <a16:creationId xmlns:a16="http://schemas.microsoft.com/office/drawing/2014/main" id="{D8A7657A-31D3-408F-A230-9EBB2A2C8A8A}"/>
+              </a:ext>
+            </a:extLst>
+          </p:cNvPr>
           <p:cNvSpPr>
             <a:spLocks noGrp="1"/>
           </p:cNvSpPr>
@@ -30168,7 +30394,12 @@
             <p:ph type="title"/>
           </p:nvPr>
         </p:nvSpPr>
-        <p:spPr/>
+        <p:spPr>
+          <a:xfrm>
+            <a:off x="5" y="3611"/>
+            <a:ext cx="9143990" cy="1105616"/>
+          </a:xfrm>
+        </p:spPr>
         <p:txBody>
           <a:bodyPr>
             <a:normAutofit fontScale="90000"/>
@@ -30176,10 +30407,61 @@
           <a:lstStyle/>
           <a:p>
             <a:r>
+              <a:rPr lang="en-DE" b="1" dirty="0"/>
+              <a:t>Model Alteration I:</a:t>
+            </a:r>
+            <a:br>
+              <a:rPr lang="en-DE" b="1" dirty="0"/>
+            </a:br>
+            <a:r>
+              <a:rPr lang="de-DE" b="1" dirty="0" err="1"/>
+              <a:t>Voluntary</a:t>
+            </a:r>
+            <a:r>
               <a:rPr lang="de-DE" b="1" dirty="0"/>
-              <a:t>Voluntary attention as facilitation &amp; suppression of the excitatory attentional drive</a:t>
+              <a:t> </a:t>
             </a:r>
-            <a:endParaRPr lang="en-US" dirty="0"/>
+            <a:r>
+              <a:rPr lang="de-DE" b="1" dirty="0" err="1"/>
+              <a:t>attention</a:t>
+            </a:r>
+            <a:r>
+              <a:rPr lang="de-DE" b="1" dirty="0"/>
+              <a:t> </a:t>
+            </a:r>
+            <a:r>
+              <a:rPr lang="de-DE" b="1" dirty="0" err="1"/>
+              <a:t>as</a:t>
+            </a:r>
+            <a:r>
+              <a:rPr lang="de-DE" b="1" dirty="0"/>
+              <a:t> </a:t>
+            </a:r>
+            <a:r>
+              <a:rPr lang="de-DE" b="1" dirty="0" err="1"/>
+              <a:t>facilitation</a:t>
+            </a:r>
+            <a:r>
+              <a:rPr lang="de-DE" b="1" dirty="0"/>
+              <a:t> </a:t>
+            </a:r>
+            <a:r>
+              <a:rPr lang="en-DE" b="1" dirty="0"/>
+              <a:t>by external </a:t>
+            </a:r>
+            <a:r>
+              <a:rPr lang="de-DE" b="1" dirty="0" err="1"/>
+              <a:t>attentional</a:t>
+            </a:r>
+            <a:r>
+              <a:rPr lang="de-DE" b="1" dirty="0"/>
+              <a:t> </a:t>
+            </a:r>
+            <a:r>
+              <a:rPr lang="de-DE" b="1" dirty="0" err="1"/>
+              <a:t>drive</a:t>
+            </a:r>
+            <a:endParaRPr lang="en-DE" dirty="0"/>
           </a:p>
         </p:txBody>
       </p:sp>
@@ -30193,13 +30475,6 @@
   <p:clrMapOvr>
     <a:masterClrMapping/>
   </p:clrMapOvr>
-  <p:timing>
-    <p:tnLst>
-      <p:par>
-        <p:cTn id="1" dur="indefinite" restart="never" nodeType="tmRoot"/>
-      </p:par>
-    </p:tnLst>
-  </p:timing>
 </p:sld>
 </file>
 
@@ -30220,51 +30495,6 @@
           <a:chExt cx="0" cy="0"/>
         </a:xfrm>
       </p:grpSpPr>
-      <p:sp>
-        <p:nvSpPr>
-          <p:cNvPr id="2" name="Title 1"/>
-          <p:cNvSpPr>
-            <a:spLocks noGrp="1"/>
-          </p:cNvSpPr>
-          <p:nvPr>
-            <p:ph type="title"/>
-          </p:nvPr>
-        </p:nvSpPr>
-        <p:spPr/>
-        <p:txBody>
-          <a:bodyPr>
-            <a:normAutofit fontScale="90000"/>
-          </a:bodyPr>
-          <a:lstStyle/>
-          <a:p>
-            <a:r>
-              <a:rPr lang="de-DE" b="1" dirty="0" smtClean="0"/>
-              <a:t>Voluntary attention as facilitation </a:t>
-            </a:r>
-            <a:r>
-              <a:rPr lang="de-DE" b="1" dirty="0"/>
-              <a:t>&amp; </a:t>
-            </a:r>
-            <a:r>
-              <a:rPr lang="de-DE" b="1" dirty="0" smtClean="0"/>
-              <a:t>suppression </a:t>
-            </a:r>
-            <a:r>
-              <a:rPr lang="de-DE" b="1" dirty="0"/>
-              <a:t>of the excitatory </a:t>
-            </a:r>
-            <a:r>
-              <a:rPr lang="de-DE" b="1" dirty="0" smtClean="0"/>
-              <a:t>attentional </a:t>
-            </a:r>
-            <a:r>
-              <a:rPr lang="de-DE" b="1" dirty="0"/>
-              <a:t>drive</a:t>
-            </a:r>
-            <a:endParaRPr lang="en-US" b="1" dirty="0"/>
-          </a:p>
-        </p:txBody>
-      </p:sp>
       <p:sp>
         <p:nvSpPr>
           <p:cNvPr id="8" name="TextBox 7"/>
@@ -30288,18 +30518,13 @@
           <a:lstStyle/>
           <a:p>
             <a:r>
-              <a:rPr lang="de-DE" dirty="0" smtClean="0"/>
-              <a:t>Change in the excitatory </a:t>
+              <a:rPr lang="de-DE" dirty="0"/>
+              <a:t>Change in the excitatory drive </a:t>
             </a:r>
-            <a:r>
-              <a:rPr lang="de-DE" dirty="0" smtClean="0"/>
-              <a:t>drive </a:t>
-            </a:r>
-            <a:endParaRPr lang="de-DE" dirty="0" smtClean="0"/>
           </a:p>
           <a:p>
             <a:r>
-              <a:rPr lang="de-DE" dirty="0" smtClean="0"/>
+              <a:rPr lang="de-DE" dirty="0"/>
               <a:t>of the attention population:  </a:t>
             </a:r>
             <a:endParaRPr lang="en-US" dirty="0"/>
@@ -30315,7 +30540,7 @@
           <p:nvPr/>
         </p:nvPicPr>
         <p:blipFill rotWithShape="1">
-          <a:blip r:embed="rId2">
+          <a:blip r:embed="rId2" cstate="print">
             <a:extLst>
               <a:ext uri="{28A0092B-C50C-407E-A947-70E740481C1C}">
                 <a14:useLocalDpi xmlns:a14="http://schemas.microsoft.com/office/drawing/2010/main" val="0"/>
@@ -30327,8 +30552,8 @@
         </p:blipFill>
         <p:spPr bwMode="auto">
           <a:xfrm>
-            <a:off x="297016" y="3657600"/>
-            <a:ext cx="5709797" cy="1090698"/>
+            <a:off x="471129" y="3010194"/>
+            <a:ext cx="5441077" cy="1039360"/>
           </a:xfrm>
           <a:prstGeom prst="rect">
             <a:avLst/>
@@ -30354,7 +30579,7 @@
           <p:nvPr/>
         </p:nvPicPr>
         <p:blipFill rotWithShape="1">
-          <a:blip r:embed="rId2">
+          <a:blip r:embed="rId2" cstate="print">
             <a:extLst>
               <a:ext uri="{28A0092B-C50C-407E-A947-70E740481C1C}">
                 <a14:useLocalDpi xmlns:a14="http://schemas.microsoft.com/office/drawing/2010/main" val="0"/>
@@ -30366,47 +30591,8 @@
         </p:blipFill>
         <p:spPr bwMode="auto">
           <a:xfrm>
-            <a:off x="228600" y="1981201"/>
-            <a:ext cx="6163120" cy="1368856"/>
-          </a:xfrm>
-          <a:prstGeom prst="rect">
-            <a:avLst/>
-          </a:prstGeom>
-          <a:noFill/>
-          <a:extLst>
-            <a:ext uri="{909E8E84-426E-40DD-AFC4-6F175D3DCCD1}">
-              <a14:hiddenFill xmlns:a14="http://schemas.microsoft.com/office/drawing/2010/main">
-                <a:solidFill>
-                  <a:srgbClr val="FFFFFF"/>
-                </a:solidFill>
-              </a14:hiddenFill>
-            </a:ext>
-          </a:extLst>
-        </p:spPr>
-      </p:pic>
-      <p:pic>
-        <p:nvPicPr>
-          <p:cNvPr id="165" name="Picture 3" descr="C:\Users\kkaduk\Desktop\Kristin\GitHub\neuromatch_project\plots\example_plots\simulation_ext_attention_drive_[0.060,-0.060].png"/>
-          <p:cNvPicPr>
-            <a:picLocks noChangeAspect="1" noChangeArrowheads="1"/>
-          </p:cNvPicPr>
-          <p:nvPr/>
-        </p:nvPicPr>
-        <p:blipFill rotWithShape="1">
-          <a:blip r:embed="rId2">
-            <a:extLst>
-              <a:ext uri="{28A0092B-C50C-407E-A947-70E740481C1C}">
-                <a14:useLocalDpi xmlns:a14="http://schemas.microsoft.com/office/drawing/2010/main" val="0"/>
-              </a:ext>
-            </a:extLst>
-          </a:blip>
-          <a:srcRect l="79327" t="52251" r="4485" b="36222"/>
-          <a:stretch/>
-        </p:blipFill>
-        <p:spPr bwMode="auto">
-          <a:xfrm>
-            <a:off x="6160290" y="3159862"/>
-            <a:ext cx="1258214" cy="497738"/>
+            <a:off x="425807" y="1905001"/>
+            <a:ext cx="5441077" cy="1208478"/>
           </a:xfrm>
           <a:prstGeom prst="rect">
             <a:avLst/>
@@ -30425,18 +30611,26 @@
       </p:pic>
       <p:sp>
         <p:nvSpPr>
-          <p:cNvPr id="3" name="Rectangle 2"/>
+          <p:cNvPr id="4" name="Rectangle 3"/>
           <p:cNvSpPr/>
           <p:nvPr/>
         </p:nvSpPr>
         <p:spPr>
           <a:xfrm>
-            <a:off x="1905000" y="4953000"/>
-            <a:ext cx="3962400" cy="1600200"/>
+            <a:off x="6096000" y="3010194"/>
+            <a:ext cx="2971799" cy="3771606"/>
           </a:xfrm>
           <a:prstGeom prst="rect">
             <a:avLst/>
           </a:prstGeom>
+          <a:noFill/>
+          <a:ln>
+            <a:solidFill>
+              <a:schemeClr val="bg1">
+                <a:lumMod val="50000"/>
+              </a:schemeClr>
+            </a:solidFill>
+          </a:ln>
         </p:spPr>
         <p:style>
           <a:lnRef idx="2">
@@ -30458,61 +30652,310 @@
           <a:bodyPr rtlCol="0" anchor="ctr"/>
           <a:lstStyle/>
           <a:p>
-            <a:pPr algn="ctr"/>
             <a:r>
-              <a:rPr lang="de-DE" dirty="0" smtClean="0"/>
-              <a:t>Mean domiance duration</a:t>
+              <a:rPr lang="en-DE" b="1" u="sng" dirty="0">
+                <a:solidFill>
+                  <a:schemeClr val="tx1"/>
+                </a:solidFill>
+              </a:rPr>
+              <a:t>Conclusion:</a:t>
             </a:r>
-            <a:endParaRPr lang="en-US" dirty="0"/>
+          </a:p>
+          <a:p>
+            <a:pPr marL="285750" indent="-285750">
+              <a:buFontTx/>
+              <a:buChar char="-"/>
+            </a:pPr>
+            <a:r>
+              <a:rPr lang="en-US" b="1" dirty="0">
+                <a:solidFill>
+                  <a:schemeClr val="tx1"/>
+                </a:solidFill>
+              </a:rPr>
+              <a:t>Excited</a:t>
+            </a:r>
+            <a:r>
+              <a:rPr lang="en-US" dirty="0">
+                <a:solidFill>
+                  <a:schemeClr val="tx1"/>
+                </a:solidFill>
+              </a:rPr>
+              <a:t> representation displays </a:t>
+            </a:r>
+            <a:r>
+              <a:rPr lang="en-US" b="1" dirty="0">
+                <a:solidFill>
+                  <a:schemeClr val="tx1"/>
+                </a:solidFill>
+              </a:rPr>
+              <a:t>longer </a:t>
+            </a:r>
+            <a:r>
+              <a:rPr lang="en-DE" dirty="0">
+                <a:solidFill>
+                  <a:schemeClr val="tx1"/>
+                </a:solidFill>
+              </a:rPr>
+              <a:t>dominance periods</a:t>
+            </a:r>
+            <a:endParaRPr lang="en-US" dirty="0">
+              <a:solidFill>
+                <a:schemeClr val="tx1"/>
+              </a:solidFill>
+            </a:endParaRPr>
+          </a:p>
+          <a:p>
+            <a:pPr marL="285750" indent="-285750">
+              <a:buFontTx/>
+              <a:buChar char="-"/>
+            </a:pPr>
+            <a:r>
+              <a:rPr lang="en-US" b="1" dirty="0">
+                <a:solidFill>
+                  <a:schemeClr val="tx1"/>
+                </a:solidFill>
+              </a:rPr>
+              <a:t>Inhibited</a:t>
+            </a:r>
+            <a:r>
+              <a:rPr lang="en-US" dirty="0">
+                <a:solidFill>
+                  <a:schemeClr val="tx1"/>
+                </a:solidFill>
+              </a:rPr>
+              <a:t> </a:t>
+            </a:r>
+            <a:r>
+              <a:rPr lang="en-DE" dirty="0">
+                <a:solidFill>
+                  <a:schemeClr val="tx1"/>
+                </a:solidFill>
+              </a:rPr>
+              <a:t>representation</a:t>
+            </a:r>
+            <a:r>
+              <a:rPr lang="en-US" dirty="0">
+                <a:solidFill>
+                  <a:schemeClr val="tx1"/>
+                </a:solidFill>
+              </a:rPr>
+              <a:t> </a:t>
+            </a:r>
+            <a:r>
+              <a:rPr lang="en-US" b="1" dirty="0">
+                <a:solidFill>
+                  <a:schemeClr val="tx1"/>
+                </a:solidFill>
+              </a:rPr>
+              <a:t>shorter</a:t>
+            </a:r>
+            <a:r>
+              <a:rPr lang="en-US" dirty="0">
+                <a:solidFill>
+                  <a:schemeClr val="tx1"/>
+                </a:solidFill>
+              </a:rPr>
+              <a:t> periods</a:t>
+            </a:r>
+          </a:p>
+          <a:p>
+            <a:pPr marL="285750" indent="-285750">
+              <a:buFontTx/>
+              <a:buChar char="-"/>
+            </a:pPr>
+            <a:r>
+              <a:rPr lang="en-US" dirty="0">
+                <a:solidFill>
+                  <a:schemeClr val="tx1"/>
+                </a:solidFill>
+              </a:rPr>
+              <a:t>Effect </a:t>
+            </a:r>
+            <a:r>
+              <a:rPr lang="en-DE" dirty="0">
+                <a:solidFill>
+                  <a:schemeClr val="tx1"/>
+                </a:solidFill>
+              </a:rPr>
+              <a:t>over </a:t>
+            </a:r>
+            <a:r>
+              <a:rPr lang="en-DE" b="1" dirty="0">
+                <a:solidFill>
+                  <a:schemeClr val="tx1"/>
+                </a:solidFill>
+              </a:rPr>
+              <a:t>entire network</a:t>
+            </a:r>
+            <a:endParaRPr lang="en-US" b="1" dirty="0">
+              <a:solidFill>
+                <a:schemeClr val="tx1"/>
+              </a:solidFill>
+            </a:endParaRPr>
+          </a:p>
+          <a:p>
+            <a:pPr marL="285750" indent="-285750">
+              <a:buFontTx/>
+              <a:buChar char="-"/>
+            </a:pPr>
+            <a:endParaRPr lang="en-US" b="1" dirty="0">
+              <a:solidFill>
+                <a:schemeClr val="tx1"/>
+              </a:solidFill>
+            </a:endParaRPr>
+          </a:p>
+          <a:p>
+            <a:pPr marL="285750" indent="-285750">
+              <a:buFontTx/>
+              <a:buChar char="-"/>
+            </a:pPr>
+            <a:r>
+              <a:rPr lang="en-US" dirty="0">
+                <a:solidFill>
+                  <a:schemeClr val="tx1"/>
+                </a:solidFill>
+              </a:rPr>
+              <a:t>I</a:t>
+            </a:r>
+            <a:r>
+              <a:rPr lang="en-DE" dirty="0" err="1">
+                <a:solidFill>
+                  <a:schemeClr val="tx1"/>
+                </a:solidFill>
+              </a:rPr>
+              <a:t>nputs</a:t>
+            </a:r>
+            <a:r>
+              <a:rPr lang="en-US" dirty="0">
+                <a:solidFill>
+                  <a:schemeClr val="tx1"/>
+                </a:solidFill>
+              </a:rPr>
+              <a:t> </a:t>
+            </a:r>
+            <a:r>
+              <a:rPr lang="en-DE" dirty="0">
+                <a:solidFill>
+                  <a:schemeClr val="tx1"/>
+                </a:solidFill>
+              </a:rPr>
+              <a:t>strength</a:t>
+            </a:r>
+            <a:r>
+              <a:rPr lang="en-US" dirty="0">
+                <a:solidFill>
+                  <a:schemeClr val="tx1"/>
+                </a:solidFill>
+              </a:rPr>
+              <a:t>s</a:t>
+            </a:r>
+            <a:r>
+              <a:rPr lang="en-DE" dirty="0">
+                <a:solidFill>
+                  <a:schemeClr val="tx1"/>
+                </a:solidFill>
+              </a:rPr>
+              <a:t> </a:t>
+            </a:r>
+            <a:r>
+              <a:rPr lang="en-US" dirty="0">
+                <a:solidFill>
+                  <a:schemeClr val="tx1"/>
+                </a:solidFill>
+              </a:rPr>
+              <a:t>&gt; </a:t>
+            </a:r>
+            <a:r>
+              <a:rPr lang="en-DE" dirty="0">
+                <a:solidFill>
+                  <a:schemeClr val="tx1"/>
+                </a:solidFill>
+              </a:rPr>
+              <a:t>~12.4% </a:t>
+            </a:r>
+            <a:br>
+              <a:rPr lang="en-US" dirty="0">
+                <a:solidFill>
+                  <a:schemeClr val="tx1"/>
+                </a:solidFill>
+              </a:rPr>
+            </a:br>
+            <a:r>
+              <a:rPr lang="en-DE" dirty="0">
+                <a:solidFill>
+                  <a:schemeClr val="tx1"/>
+                </a:solidFill>
+              </a:rPr>
+              <a:t>of maximum </a:t>
+            </a:r>
+            <a:r>
+              <a:rPr lang="en-US" dirty="0" err="1">
+                <a:solidFill>
+                  <a:schemeClr val="tx1"/>
+                </a:solidFill>
+              </a:rPr>
+              <a:t>Rb</a:t>
+            </a:r>
+            <a:r>
+              <a:rPr lang="en-US" dirty="0">
+                <a:solidFill>
+                  <a:schemeClr val="tx1"/>
+                </a:solidFill>
+              </a:rPr>
+              <a:t>-drive cause a </a:t>
+            </a:r>
+            <a:r>
+              <a:rPr lang="en-DE" dirty="0">
+                <a:solidFill>
+                  <a:schemeClr val="tx1"/>
+                </a:solidFill>
+              </a:rPr>
+              <a:t>persistent</a:t>
+            </a:r>
+            <a:r>
+              <a:rPr lang="en-US" dirty="0">
+                <a:solidFill>
+                  <a:schemeClr val="tx1"/>
+                </a:solidFill>
+              </a:rPr>
+              <a:t> representation</a:t>
+            </a:r>
+            <a:br>
+              <a:rPr lang="en-US" dirty="0">
+                <a:solidFill>
+                  <a:schemeClr val="tx1"/>
+                </a:solidFill>
+              </a:rPr>
+            </a:br>
+            <a:r>
+              <a:rPr lang="en-US" dirty="0">
+                <a:solidFill>
+                  <a:schemeClr val="tx1"/>
+                </a:solidFill>
+              </a:rPr>
+              <a:t>(</a:t>
+            </a:r>
+            <a:r>
+              <a:rPr lang="en-US" b="1" dirty="0">
+                <a:solidFill>
+                  <a:schemeClr val="tx1"/>
+                </a:solidFill>
+              </a:rPr>
+              <a:t>Winner-take-all</a:t>
+            </a:r>
+            <a:r>
+              <a:rPr lang="en-US" dirty="0">
+                <a:solidFill>
+                  <a:schemeClr val="tx1"/>
+                </a:solidFill>
+              </a:rPr>
+              <a:t>)</a:t>
+            </a:r>
           </a:p>
         </p:txBody>
       </p:sp>
-      <p:sp>
-        <p:nvSpPr>
-          <p:cNvPr id="4" name="Rectangle 3"/>
-          <p:cNvSpPr/>
-          <p:nvPr/>
-        </p:nvSpPr>
-        <p:spPr>
-          <a:xfrm>
-            <a:off x="6705600" y="4724400"/>
-            <a:ext cx="2209800" cy="1828800"/>
-          </a:xfrm>
-          <a:prstGeom prst="rect">
-            <a:avLst/>
-          </a:prstGeom>
-        </p:spPr>
-        <p:style>
-          <a:lnRef idx="2">
-            <a:schemeClr val="accent1">
-              <a:shade val="50000"/>
-            </a:schemeClr>
-          </a:lnRef>
-          <a:fillRef idx="1">
-            <a:schemeClr val="accent1"/>
-          </a:fillRef>
-          <a:effectRef idx="0">
-            <a:schemeClr val="accent1"/>
-          </a:effectRef>
-          <a:fontRef idx="minor">
-            <a:schemeClr val="lt1"/>
-          </a:fontRef>
-        </p:style>
-        <p:txBody>
-          <a:bodyPr rtlCol="0" anchor="ctr"/>
-          <a:lstStyle/>
-          <a:p>
-            <a:pPr algn="ctr"/>
-            <a:r>
-              <a:rPr lang="de-DE" dirty="0" smtClean="0"/>
-              <a:t>Experimental finding</a:t>
-            </a:r>
-            <a:endParaRPr lang="en-US" dirty="0"/>
-          </a:p>
-        </p:txBody>
-      </p:sp>
-      <mc:AlternateContent xmlns:mc="http://schemas.openxmlformats.org/markup-compatibility/2006">
-        <mc:Choice xmlns:a14="http://schemas.microsoft.com/office/drawing/2010/main" Requires="a14">
+      <mc:AlternateContent xmlns:mc="http://schemas.openxmlformats.org/markup-compatibility/2006" xmlns:a14="http://schemas.microsoft.com/office/drawing/2010/main">
+        <mc:Choice Requires="a14">
           <p:sp>
             <p:nvSpPr>
               <p:cNvPr id="12" name="TextBox 11"/>
@@ -30553,13 +30996,7 @@
                       <a:rPr lang="de-DE" b="0" i="1" baseline="-25000" smtClean="0">
                         <a:latin typeface="Cambria Math"/>
                       </a:rPr>
-                      <m:t>1</m:t>
-                    </m:r>
-                    <m:r>
-                      <a:rPr lang="de-DE" b="0" i="1" smtClean="0">
-                        <a:latin typeface="Cambria Math"/>
-                      </a:rPr>
-                      <m:t>=(</m:t>
+                      <m:t>1=(</m:t>
                     </m:r>
                     <m:r>
                       <a:rPr lang="de-DE" b="0" i="1" smtClean="0">
@@ -30571,7 +31008,13 @@
                       <a:rPr lang="de-DE" b="0" i="1" baseline="-25000" smtClean="0">
                         <a:latin typeface="Cambria Math"/>
                       </a:rPr>
-                      <m:t>1−</m:t>
+                      <m:t>1</m:t>
+                    </m:r>
+                    <m:r>
+                      <a:rPr lang="de-DE" b="0" i="1" smtClean="0">
+                        <a:latin typeface="Cambria Math"/>
+                      </a:rPr>
+                      <m:t>−</m:t>
                     </m:r>
                     <m:r>
                       <a:rPr lang="de-DE" b="0" i="1" smtClean="0">
@@ -30583,7 +31026,18 @@
                       <a:rPr lang="de-DE" b="0" i="1" baseline="-25000" smtClean="0">
                         <a:latin typeface="Cambria Math"/>
                       </a:rPr>
-                      <m:t>2+</m:t>
+                      <m:t>2</m:t>
+                    </m:r>
+                    <m:r>
+                      <a:rPr lang="de-DE" b="0" i="1" smtClean="0">
+                        <a:solidFill>
+                          <a:schemeClr val="accent6">
+                            <a:lumMod val="75000"/>
+                          </a:schemeClr>
+                        </a:solidFill>
+                        <a:latin typeface="Cambria Math"/>
+                      </a:rPr>
+                      <m:t>+</m:t>
                     </m:r>
                     <m:r>
                       <a:rPr lang="de-DE" b="0" i="1" smtClean="0">
@@ -30621,19 +31075,18 @@
                   </m:oMath>
                 </a14:m>
                 <a:r>
-                  <a:rPr lang="en-US" sz="2000" dirty="0" smtClean="0"/>
+                  <a:rPr lang="en-US" sz="2000" dirty="0"/>
                   <a:t>)</a:t>
                 </a:r>
                 <a:r>
-                  <a:rPr lang="en-US" sz="2000" baseline="30000" dirty="0" smtClean="0"/>
+                  <a:rPr lang="en-US" sz="2000" baseline="30000" dirty="0"/>
                   <a:t>n</a:t>
                 </a:r>
-                <a:endParaRPr lang="en-US" sz="2000" baseline="30000" dirty="0"/>
               </a:p>
             </p:txBody>
           </p:sp>
         </mc:Choice>
-        <mc:Fallback>
+        <mc:Fallback xmlns="">
           <p:sp>
             <p:nvSpPr>
               <p:cNvPr id="12" name="TextBox 11"/>
@@ -30650,7 +31103,7 @@
               <a:prstGeom prst="rect">
                 <a:avLst/>
               </a:prstGeom>
-              <a:blipFill rotWithShape="1">
+              <a:blipFill>
                 <a:blip r:embed="rId3"/>
                 <a:stretch>
                   <a:fillRect t="-7576" b="-25758"/>
@@ -30662,7 +31115,7 @@
               <a:lstStyle/>
               <a:p>
                 <a:r>
-                  <a:rPr lang="en-US">
+                  <a:rPr lang="en-DE">
                     <a:noFill/>
                   </a:rPr>
                   <a:t> </a:t>
@@ -30672,8 +31125,8 @@
           </p:sp>
         </mc:Fallback>
       </mc:AlternateContent>
-      <mc:AlternateContent xmlns:mc="http://schemas.openxmlformats.org/markup-compatibility/2006">
-        <mc:Choice xmlns:a14="http://schemas.microsoft.com/office/drawing/2010/main" Requires="a14">
+      <mc:AlternateContent xmlns:mc="http://schemas.openxmlformats.org/markup-compatibility/2006" xmlns:a14="http://schemas.microsoft.com/office/drawing/2010/main">
+        <mc:Choice Requires="a14">
           <p:sp>
             <p:nvSpPr>
               <p:cNvPr id="13" name="TextBox 12"/>
@@ -30714,13 +31167,7 @@
                       <a:rPr lang="de-DE" b="0" i="1" baseline="-25000" smtClean="0">
                         <a:latin typeface="Cambria Math"/>
                       </a:rPr>
-                      <m:t>2</m:t>
-                    </m:r>
-                    <m:r>
-                      <a:rPr lang="de-DE" b="0" i="1" smtClean="0">
-                        <a:latin typeface="Cambria Math"/>
-                      </a:rPr>
-                      <m:t>=(</m:t>
+                      <m:t>2=(</m:t>
                     </m:r>
                     <m:r>
                       <a:rPr lang="de-DE" b="0" i="1" smtClean="0">
@@ -30799,19 +31246,18 @@
                   </m:oMath>
                 </a14:m>
                 <a:r>
-                  <a:rPr lang="en-US" sz="2000" dirty="0" smtClean="0"/>
+                  <a:rPr lang="en-US" sz="2000" dirty="0"/>
                   <a:t>)</a:t>
                 </a:r>
                 <a:r>
-                  <a:rPr lang="en-US" sz="2000" baseline="30000" dirty="0" smtClean="0"/>
+                  <a:rPr lang="en-US" sz="2000" baseline="30000" dirty="0"/>
                   <a:t>n</a:t>
                 </a:r>
-                <a:endParaRPr lang="en-US" sz="2000" baseline="30000" dirty="0"/>
               </a:p>
             </p:txBody>
           </p:sp>
         </mc:Choice>
-        <mc:Fallback>
+        <mc:Fallback xmlns="">
           <p:sp>
             <p:nvSpPr>
               <p:cNvPr id="13" name="TextBox 12"/>
@@ -30850,6 +31296,255 @@
           </p:sp>
         </mc:Fallback>
       </mc:AlternateContent>
+      <p:pic>
+        <p:nvPicPr>
+          <p:cNvPr id="6" name="Picture 5">
+            <a:extLst>
+              <a:ext uri="{FF2B5EF4-FFF2-40B4-BE49-F238E27FC236}">
+                <a16:creationId xmlns:a16="http://schemas.microsoft.com/office/drawing/2014/main" id="{55EC2684-1E2E-4BA4-B133-4C317903F4FA}"/>
+              </a:ext>
+            </a:extLst>
+          </p:cNvPr>
+          <p:cNvPicPr>
+            <a:picLocks noChangeAspect="1"/>
+          </p:cNvPicPr>
+          <p:nvPr/>
+        </p:nvPicPr>
+        <p:blipFill>
+          <a:blip r:embed="rId5">
+            <a:extLst>
+              <a:ext uri="{28A0092B-C50C-407E-A947-70E740481C1C}">
+                <a14:useLocalDpi xmlns:a14="http://schemas.microsoft.com/office/drawing/2010/main" val="0"/>
+              </a:ext>
+            </a:extLst>
+          </a:blip>
+          <a:srcRect/>
+          <a:stretch/>
+        </p:blipFill>
+        <p:spPr>
+          <a:xfrm>
+            <a:off x="349606" y="4049554"/>
+            <a:ext cx="5596571" cy="2798285"/>
+          </a:xfrm>
+          <a:prstGeom prst="rect">
+            <a:avLst/>
+          </a:prstGeom>
+        </p:spPr>
+      </p:pic>
+      <p:pic>
+        <p:nvPicPr>
+          <p:cNvPr id="14" name="Picture 13" descr="A close up of text on a white background&#10;&#10;Description automatically generated">
+            <a:extLst>
+              <a:ext uri="{FF2B5EF4-FFF2-40B4-BE49-F238E27FC236}">
+                <a16:creationId xmlns:a16="http://schemas.microsoft.com/office/drawing/2014/main" id="{E9A37CF6-7D95-4B96-8E99-1B6EC30ED783}"/>
+              </a:ext>
+            </a:extLst>
+          </p:cNvPr>
+          <p:cNvPicPr>
+            <a:picLocks noChangeAspect="1"/>
+          </p:cNvPicPr>
+          <p:nvPr/>
+        </p:nvPicPr>
+        <p:blipFill rotWithShape="1">
+          <a:blip r:embed="rId6">
+            <a:extLst>
+              <a:ext uri="{28A0092B-C50C-407E-A947-70E740481C1C}">
+                <a14:useLocalDpi xmlns:a14="http://schemas.microsoft.com/office/drawing/2010/main" val="0"/>
+              </a:ext>
+            </a:extLst>
+          </a:blip>
+          <a:srcRect l="86083" t="78354" r="4890" b="12896"/>
+          <a:stretch/>
+        </p:blipFill>
+        <p:spPr>
+          <a:xfrm>
+            <a:off x="5810054" y="2136875"/>
+            <a:ext cx="686023" cy="369396"/>
+          </a:xfrm>
+          <a:prstGeom prst="rect">
+            <a:avLst/>
+          </a:prstGeom>
+        </p:spPr>
+      </p:pic>
+      <p:sp>
+        <p:nvSpPr>
+          <p:cNvPr id="15" name="Rectangle 14">
+            <a:extLst>
+              <a:ext uri="{FF2B5EF4-FFF2-40B4-BE49-F238E27FC236}">
+                <a16:creationId xmlns:a16="http://schemas.microsoft.com/office/drawing/2014/main" id="{D1EBFB85-1065-4309-9B74-0E51CD318746}"/>
+              </a:ext>
+            </a:extLst>
+          </p:cNvPr>
+          <p:cNvSpPr/>
+          <p:nvPr/>
+        </p:nvSpPr>
+        <p:spPr>
+          <a:xfrm>
+            <a:off x="9296400" y="2590800"/>
+            <a:ext cx="2819400" cy="4191000"/>
+          </a:xfrm>
+          <a:prstGeom prst="rect">
+            <a:avLst/>
+          </a:prstGeom>
+          <a:noFill/>
+          <a:ln>
+            <a:solidFill>
+              <a:schemeClr val="bg1">
+                <a:lumMod val="50000"/>
+              </a:schemeClr>
+            </a:solidFill>
+          </a:ln>
+        </p:spPr>
+        <p:style>
+          <a:lnRef idx="2">
+            <a:schemeClr val="accent1">
+              <a:shade val="50000"/>
+            </a:schemeClr>
+          </a:lnRef>
+          <a:fillRef idx="1">
+            <a:schemeClr val="accent1"/>
+          </a:fillRef>
+          <a:effectRef idx="0">
+            <a:schemeClr val="accent1"/>
+          </a:effectRef>
+          <a:fontRef idx="minor">
+            <a:schemeClr val="lt1"/>
+          </a:fontRef>
+        </p:style>
+        <p:txBody>
+          <a:bodyPr rtlCol="0" anchor="ctr"/>
+          <a:lstStyle/>
+          <a:p>
+            <a:r>
+              <a:rPr lang="en-DE" sz="1600" b="1" dirty="0">
+                <a:solidFill>
+                  <a:schemeClr val="tx1"/>
+                </a:solidFill>
+              </a:rPr>
+              <a:t>Conclusion:</a:t>
+            </a:r>
+          </a:p>
+          <a:p>
+            <a:r>
+              <a:rPr lang="en-DE" sz="1600" dirty="0">
+                <a:solidFill>
+                  <a:schemeClr val="tx1"/>
+                </a:solidFill>
+              </a:rPr>
+              <a:t>Adding differential external input to the attention neurons prolongs dominance periods of the excited representation, while reducing the duration for the inhibited representation, over the entire network. </a:t>
+            </a:r>
+          </a:p>
+          <a:p>
+            <a:endParaRPr lang="en-DE" sz="1600" dirty="0">
+              <a:solidFill>
+                <a:schemeClr val="tx1"/>
+              </a:solidFill>
+            </a:endParaRPr>
+          </a:p>
+          <a:p>
+            <a:r>
+              <a:rPr lang="en-DE" sz="1600" dirty="0">
+                <a:solidFill>
+                  <a:schemeClr val="tx1"/>
+                </a:solidFill>
+              </a:rPr>
+              <a:t>This holds for additional inputs with a strength of up to ~12.4% of the maximum excitatory drive by summation neurons to the attention neurons. For stronger inputs the excited representation becomes persistent.</a:t>
+            </a:r>
+            <a:endParaRPr lang="en-US" sz="1600" dirty="0">
+              <a:solidFill>
+                <a:schemeClr val="tx1"/>
+              </a:solidFill>
+            </a:endParaRPr>
+          </a:p>
+        </p:txBody>
+      </p:sp>
+      <p:sp>
+        <p:nvSpPr>
+          <p:cNvPr id="17" name="Title 470">
+            <a:extLst>
+              <a:ext uri="{FF2B5EF4-FFF2-40B4-BE49-F238E27FC236}">
+                <a16:creationId xmlns:a16="http://schemas.microsoft.com/office/drawing/2014/main" id="{C3851D02-0E35-430F-A0E0-B74B52FD6567}"/>
+              </a:ext>
+            </a:extLst>
+          </p:cNvPr>
+          <p:cNvSpPr>
+            <a:spLocks noGrp="1"/>
+          </p:cNvSpPr>
+          <p:nvPr>
+            <p:ph type="title"/>
+          </p:nvPr>
+        </p:nvSpPr>
+        <p:spPr>
+          <a:xfrm>
+            <a:off x="5" y="3611"/>
+            <a:ext cx="9143990" cy="1105616"/>
+          </a:xfrm>
+        </p:spPr>
+        <p:txBody>
+          <a:bodyPr>
+            <a:normAutofit fontScale="90000"/>
+          </a:bodyPr>
+          <a:lstStyle/>
+          <a:p>
+            <a:r>
+              <a:rPr lang="en-DE" b="1" dirty="0"/>
+              <a:t>Model Alteration I:</a:t>
+            </a:r>
+            <a:br>
+              <a:rPr lang="en-DE" b="1" dirty="0"/>
+            </a:br>
+            <a:r>
+              <a:rPr lang="de-DE" b="1" dirty="0" err="1"/>
+              <a:t>Voluntary</a:t>
+            </a:r>
+            <a:r>
+              <a:rPr lang="de-DE" b="1" dirty="0"/>
+              <a:t> </a:t>
+            </a:r>
+            <a:r>
+              <a:rPr lang="de-DE" b="1" dirty="0" err="1"/>
+              <a:t>attention</a:t>
+            </a:r>
+            <a:r>
+              <a:rPr lang="de-DE" b="1" dirty="0"/>
+              <a:t> </a:t>
+            </a:r>
+            <a:r>
+              <a:rPr lang="de-DE" b="1" dirty="0" err="1"/>
+              <a:t>as</a:t>
+            </a:r>
+            <a:r>
+              <a:rPr lang="de-DE" b="1" dirty="0"/>
+              <a:t> </a:t>
+            </a:r>
+            <a:r>
+              <a:rPr lang="de-DE" b="1" dirty="0" err="1"/>
+              <a:t>facilitation</a:t>
+            </a:r>
+            <a:r>
+              <a:rPr lang="de-DE" b="1" dirty="0"/>
+              <a:t> </a:t>
+            </a:r>
+            <a:r>
+              <a:rPr lang="en-DE" b="1" dirty="0"/>
+              <a:t>by external </a:t>
+            </a:r>
+            <a:r>
+              <a:rPr lang="de-DE" b="1" dirty="0" err="1"/>
+              <a:t>attentional</a:t>
+            </a:r>
+            <a:r>
+              <a:rPr lang="de-DE" b="1" dirty="0"/>
+              <a:t> </a:t>
+            </a:r>
+            <a:r>
+              <a:rPr lang="de-DE" b="1" dirty="0" err="1"/>
+              <a:t>drive</a:t>
+            </a:r>
+            <a:endParaRPr lang="en-DE" dirty="0"/>
+          </a:p>
+        </p:txBody>
+      </p:sp>
     </p:spTree>
     <p:extLst>
       <p:ext uri="{BB962C8B-B14F-4D97-AF65-F5344CB8AC3E}">
@@ -30860,13 +31555,6 @@
   <p:clrMapOvr>
     <a:masterClrMapping/>
   </p:clrMapOvr>
-  <p:timing>
-    <p:tnLst>
-      <p:par>
-        <p:cTn id="1" dur="indefinite" restart="never" nodeType="tmRoot"/>
-      </p:par>
-    </p:tnLst>
-  </p:timing>
 </p:sld>
 </file>
 
@@ -30897,26 +31585,70 @@
             <p:ph type="title"/>
           </p:nvPr>
         </p:nvSpPr>
-        <p:spPr/>
+        <p:spPr>
+          <a:xfrm>
+            <a:off x="0" y="-7366"/>
+            <a:ext cx="9144000" cy="1127570"/>
+          </a:xfrm>
+        </p:spPr>
         <p:txBody>
           <a:bodyPr>
-            <a:normAutofit fontScale="90000"/>
+            <a:normAutofit/>
           </a:bodyPr>
           <a:lstStyle/>
           <a:p>
             <a:r>
-              <a:rPr lang="de-DE" b="1" dirty="0"/>
-              <a:t>Voluntary attention as facilitation &amp; suppression of the </a:t>
+              <a:rPr lang="en-DE" sz="2400" b="1" dirty="0"/>
+              <a:t>Model Alteration I</a:t>
             </a:r>
             <a:r>
-              <a:rPr lang="de-DE" b="1" dirty="0" smtClean="0">
-                <a:solidFill>
-                  <a:srgbClr val="FF0000"/>
-                </a:solidFill>
-              </a:rPr>
-              <a:t>XXX</a:t>
+              <a:rPr lang="en-US" sz="2400" b="1" dirty="0"/>
+              <a:t>I</a:t>
             </a:r>
-            <a:endParaRPr lang="en-US" b="1" dirty="0">
+            <a:r>
+              <a:rPr lang="en-DE" sz="2400" b="1" dirty="0"/>
+              <a:t>: </a:t>
+            </a:r>
+            <a:br>
+              <a:rPr lang="en-US" sz="2400" b="1" dirty="0"/>
+            </a:br>
+            <a:r>
+              <a:rPr lang="de-DE" sz="2400" b="1" dirty="0" err="1"/>
+              <a:t>Voluntary</a:t>
+            </a:r>
+            <a:r>
+              <a:rPr lang="de-DE" sz="2400" b="1" dirty="0"/>
+              <a:t> attention as </a:t>
+            </a:r>
+            <a:r>
+              <a:rPr lang="de-DE" sz="2400" b="1" dirty="0" err="1"/>
+              <a:t>facilitation</a:t>
+            </a:r>
+            <a:r>
+              <a:rPr lang="de-DE" sz="2400" b="1" dirty="0"/>
+              <a:t> </a:t>
+            </a:r>
+            <a:r>
+              <a:rPr lang="de-DE" sz="2400" b="1" dirty="0" err="1"/>
+              <a:t>altering</a:t>
+            </a:r>
+            <a:r>
+              <a:rPr lang="de-DE" sz="2400" b="1" dirty="0"/>
+              <a:t> </a:t>
+            </a:r>
+            <a:r>
+              <a:rPr lang="de-DE" sz="2400" b="1" dirty="0" err="1"/>
+              <a:t>attention</a:t>
+            </a:r>
+            <a:r>
+              <a:rPr lang="de-DE" sz="2400" b="1" dirty="0"/>
+              <a:t> </a:t>
+            </a:r>
+            <a:r>
+              <a:rPr lang="de-DE" sz="2400" b="1" dirty="0" err="1"/>
+              <a:t>weights</a:t>
+            </a:r>
+            <a:endParaRPr lang="en-US" sz="2400" b="1" dirty="0">
               <a:solidFill>
                 <a:srgbClr val="FF0000"/>
               </a:solidFill>
@@ -35588,7 +36320,7 @@
               <a:lstStyle/>
               <a:p>
                 <a:r>
-                  <a:rPr lang="de-DE" dirty="0" smtClean="0"/>
+                  <a:rPr lang="de-DE" dirty="0"/>
                   <a:t>RE-LE Opponency</a:t>
                 </a:r>
                 <a:endParaRPr lang="en-US" dirty="0"/>
@@ -35622,7 +36354,7 @@
               <a:lstStyle/>
               <a:p>
                 <a:r>
-                  <a:rPr lang="de-DE" dirty="0" smtClean="0"/>
+                  <a:rPr lang="de-DE" dirty="0"/>
                   <a:t>LE-RE Opponency</a:t>
                 </a:r>
                 <a:endParaRPr lang="en-US" dirty="0"/>
@@ -35656,7 +36388,7 @@
               <a:lstStyle/>
               <a:p>
                 <a:r>
-                  <a:rPr lang="de-DE" dirty="0" smtClean="0"/>
+                  <a:rPr lang="de-DE" dirty="0"/>
                   <a:t>Attention</a:t>
                 </a:r>
                 <a:endParaRPr lang="en-US" dirty="0"/>
@@ -35690,7 +36422,7 @@
               <a:lstStyle/>
               <a:p>
                 <a:r>
-                  <a:rPr lang="de-DE" dirty="0" smtClean="0"/>
+                  <a:rPr lang="de-DE" dirty="0"/>
                   <a:t>Summation</a:t>
                 </a:r>
                 <a:endParaRPr lang="en-US" dirty="0"/>
@@ -35882,7 +36614,7 @@
               <a:lstStyle/>
               <a:p>
                 <a:r>
-                  <a:rPr lang="de-DE" dirty="0" smtClean="0"/>
+                  <a:rPr lang="de-DE" dirty="0"/>
                   <a:t>Left monocular</a:t>
                 </a:r>
                 <a:endParaRPr lang="en-US" dirty="0"/>
@@ -35916,7 +36648,7 @@
               <a:lstStyle/>
               <a:p>
                 <a:r>
-                  <a:rPr lang="de-DE" dirty="0" smtClean="0"/>
+                  <a:rPr lang="de-DE" dirty="0"/>
                   <a:t>Right monocular</a:t>
                 </a:r>
                 <a:endParaRPr lang="en-US" dirty="0"/>
@@ -35968,7 +36700,7 @@
               <a:lstStyle/>
               <a:p>
                 <a:pPr algn="ctr"/>
-                <a:endParaRPr lang="en-US"/>
+                <a:endParaRPr lang="en-US" dirty="0"/>
               </a:p>
             </p:txBody>
           </p:sp>
@@ -36285,8 +37017,8 @@
           </a:p>
         </p:txBody>
       </p:sp>
-      <mc:AlternateContent xmlns:mc="http://schemas.openxmlformats.org/markup-compatibility/2006">
-        <mc:Choice xmlns:a14="http://schemas.microsoft.com/office/drawing/2010/main" Requires="a14">
+      <mc:AlternateContent xmlns:mc="http://schemas.openxmlformats.org/markup-compatibility/2006" xmlns:a14="http://schemas.microsoft.com/office/drawing/2010/main">
+        <mc:Choice Requires="a14">
           <p:sp>
             <p:nvSpPr>
               <p:cNvPr id="455" name="TextBox 454"/>
@@ -36340,7 +37072,7 @@
                           <m:endChr m:val="]"/>
                           <m:ctrlPr>
                             <a:rPr lang="de-DE" sz="1600" b="0" i="1" smtClean="0">
-                              <a:latin typeface="Cambria Math"/>
+                              <a:latin typeface="Cambria Math" panose="02040503050406030204" pitchFamily="18" charset="0"/>
                             </a:rPr>
                           </m:ctrlPr>
                         </m:dPr>
@@ -36379,13 +37111,7 @@
                             <a:rPr lang="de-DE" sz="1600" b="0" i="1" smtClean="0">
                               <a:latin typeface="Cambria Math"/>
                             </a:rPr>
-                            <m:t>𝑤𝑜𝑜</m:t>
-                          </m:r>
-                          <m:r>
-                            <a:rPr lang="de-DE" sz="1600" b="0" i="1" baseline="-25000" smtClean="0">
-                              <a:latin typeface="Cambria Math"/>
-                            </a:rPr>
-                            <m:t>𝑟</m:t>
+                            <m:t>𝑤𝑜𝑜𝑟</m:t>
                           </m:r>
                         </m:e>
                       </m:d>
@@ -36464,7 +37190,7 @@
                         <a:rPr lang="de-DE" sz="1600" b="0" i="1" baseline="-25000" smtClean="0">
                           <a:latin typeface="Cambria Math"/>
                         </a:rPr>
-                        <m:t>1] </m:t>
+                        <m:t>1]</m:t>
                       </m:r>
                     </m:oMath>
                   </m:oMathPara>
@@ -36474,7 +37200,7 @@
             </p:txBody>
           </p:sp>
         </mc:Choice>
-        <mc:Fallback>
+        <mc:Fallback xmlns="">
           <p:sp>
             <p:nvSpPr>
               <p:cNvPr id="455" name="TextBox 454"/>
@@ -36491,7 +37217,7 @@
               <a:prstGeom prst="rect">
                 <a:avLst/>
               </a:prstGeom>
-              <a:blipFill rotWithShape="1">
+              <a:blipFill>
                 <a:blip r:embed="rId2"/>
                 <a:stretch>
                   <a:fillRect b="-8929"/>
@@ -36503,7 +37229,7 @@
               <a:lstStyle/>
               <a:p>
                 <a:r>
-                  <a:rPr lang="en-US">
+                  <a:rPr lang="en-DE">
                     <a:noFill/>
                   </a:rPr>
                   <a:t> </a:t>
@@ -36536,22 +37262,14 @@
           <a:lstStyle/>
           <a:p>
             <a:r>
-              <a:rPr lang="de-DE" dirty="0" smtClean="0"/>
-              <a:t>Change in the </a:t>
-            </a:r>
-            <a:r>
-              <a:rPr lang="de-DE" dirty="0" smtClean="0"/>
-              <a:t>weight for the attentional</a:t>
+              <a:rPr lang="de-DE" dirty="0"/>
+              <a:t>Change in the weight for the attentional</a:t>
             </a:r>
           </a:p>
           <a:p>
             <a:r>
-              <a:rPr lang="de-DE" dirty="0" smtClean="0"/>
-              <a:t>neural response</a:t>
-            </a:r>
-            <a:r>
-              <a:rPr lang="de-DE" dirty="0" smtClean="0"/>
-              <a:t>:  </a:t>
+              <a:rPr lang="de-DE" dirty="0"/>
+              <a:t>neural response:  </a:t>
             </a:r>
             <a:endParaRPr lang="en-US" dirty="0"/>
           </a:p>
@@ -36567,13 +37285,6 @@
   <p:clrMapOvr>
     <a:masterClrMapping/>
   </p:clrMapOvr>
-  <p:timing>
-    <p:tnLst>
-      <p:par>
-        <p:cTn id="1" dur="indefinite" restart="never" nodeType="tmRoot"/>
-      </p:par>
-    </p:tnLst>
-  </p:timing>
 </p:sld>
 </file>
 
@@ -36594,6 +37305,42 @@
           <a:chExt cx="0" cy="0"/>
         </a:xfrm>
       </p:grpSpPr>
+      <p:pic>
+        <p:nvPicPr>
+          <p:cNvPr id="10" name="Picture 9">
+            <a:extLst>
+              <a:ext uri="{FF2B5EF4-FFF2-40B4-BE49-F238E27FC236}">
+                <a16:creationId xmlns:a16="http://schemas.microsoft.com/office/drawing/2014/main" id="{CAC23817-78AD-4C0C-8676-1ECCDDFFAD6F}"/>
+              </a:ext>
+            </a:extLst>
+          </p:cNvPr>
+          <p:cNvPicPr>
+            <a:picLocks noChangeAspect="1"/>
+          </p:cNvPicPr>
+          <p:nvPr/>
+        </p:nvPicPr>
+        <p:blipFill>
+          <a:blip r:embed="rId2" cstate="print">
+            <a:extLst>
+              <a:ext uri="{28A0092B-C50C-407E-A947-70E740481C1C}">
+                <a14:useLocalDpi xmlns:a14="http://schemas.microsoft.com/office/drawing/2010/main" val="0"/>
+              </a:ext>
+            </a:extLst>
+          </a:blip>
+          <a:stretch>
+            <a:fillRect/>
+          </a:stretch>
+        </p:blipFill>
+        <p:spPr>
+          <a:xfrm>
+            <a:off x="325526" y="2314905"/>
+            <a:ext cx="2988216" cy="1991767"/>
+          </a:xfrm>
+          <a:prstGeom prst="rect">
+            <a:avLst/>
+          </a:prstGeom>
+        </p:spPr>
+      </p:pic>
       <p:sp>
         <p:nvSpPr>
           <p:cNvPr id="2" name="Title 1"/>
@@ -36612,7 +37359,7 @@
           <a:lstStyle/>
           <a:p>
             <a:r>
-              <a:rPr lang="de-DE" dirty="0" smtClean="0"/>
+              <a:rPr lang="de-DE" dirty="0"/>
               <a:t>Personal experiences &amp; Fazit</a:t>
             </a:r>
             <a:endParaRPr lang="en-US" dirty="0"/>
@@ -36627,7 +37374,7 @@
         </p:nvSpPr>
         <p:spPr>
           <a:xfrm>
-            <a:off x="1545641" y="2383537"/>
+            <a:off x="-1083738" y="2472588"/>
             <a:ext cx="838200" cy="838200"/>
           </a:xfrm>
           <a:prstGeom prst="smileyFace">
@@ -36667,7 +37414,7 @@
         </p:nvSpPr>
         <p:spPr>
           <a:xfrm>
-            <a:off x="3581400" y="3033370"/>
+            <a:off x="4455871" y="2698064"/>
             <a:ext cx="914400" cy="838200"/>
           </a:xfrm>
           <a:prstGeom prst="smileyFace">
@@ -36727,7 +37474,7 @@
         </p:nvSpPr>
         <p:spPr>
           <a:xfrm>
-            <a:off x="5029200" y="5334000"/>
+            <a:off x="4170276" y="5775642"/>
             <a:ext cx="838200" cy="838200"/>
           </a:xfrm>
           <a:prstGeom prst="smileyFace">
@@ -36781,7 +37528,7 @@
         </p:nvSpPr>
         <p:spPr>
           <a:xfrm>
-            <a:off x="6096000" y="3452470"/>
+            <a:off x="5237076" y="3894112"/>
             <a:ext cx="2819400" cy="1708404"/>
           </a:xfrm>
           <a:prstGeom prst="wedgeRectCallout">
@@ -36830,68 +37577,13 @@
       </p:sp>
       <p:sp>
         <p:nvSpPr>
-          <p:cNvPr id="7" name="Rectangular Callout 6"/>
-          <p:cNvSpPr/>
-          <p:nvPr/>
-        </p:nvSpPr>
-        <p:spPr>
-          <a:xfrm>
-            <a:off x="304800" y="832714"/>
-            <a:ext cx="2590800" cy="1524000"/>
-          </a:xfrm>
-          <a:prstGeom prst="wedgeRectCallout">
-            <a:avLst>
-              <a:gd name="adj1" fmla="val -503"/>
-              <a:gd name="adj2" fmla="val 87940"/>
-            </a:avLst>
-          </a:prstGeom>
-          <a:solidFill>
-            <a:schemeClr val="bg1">
-              <a:lumMod val="65000"/>
-            </a:schemeClr>
-          </a:solidFill>
-          <a:ln>
-            <a:solidFill>
-              <a:schemeClr val="bg1">
-                <a:lumMod val="75000"/>
-              </a:schemeClr>
-            </a:solidFill>
-          </a:ln>
-        </p:spPr>
-        <p:style>
-          <a:lnRef idx="2">
-            <a:schemeClr val="accent1">
-              <a:shade val="50000"/>
-            </a:schemeClr>
-          </a:lnRef>
-          <a:fillRef idx="1">
-            <a:schemeClr val="accent1"/>
-          </a:fillRef>
-          <a:effectRef idx="0">
-            <a:schemeClr val="accent1"/>
-          </a:effectRef>
-          <a:fontRef idx="minor">
-            <a:schemeClr val="lt1"/>
-          </a:fontRef>
-        </p:style>
-        <p:txBody>
-          <a:bodyPr rtlCol="0" anchor="ctr"/>
-          <a:lstStyle/>
-          <a:p>
-            <a:pPr algn="ctr"/>
-            <a:endParaRPr lang="en-US"/>
-          </a:p>
-        </p:txBody>
-      </p:sp>
-      <p:sp>
-        <p:nvSpPr>
           <p:cNvPr id="8" name="Rectangular Callout 7"/>
           <p:cNvSpPr/>
           <p:nvPr/>
         </p:nvSpPr>
         <p:spPr>
           <a:xfrm>
-            <a:off x="4788408" y="1524000"/>
+            <a:off x="5626608" y="914400"/>
             <a:ext cx="3212592" cy="1524000"/>
           </a:xfrm>
           <a:prstGeom prst="wedgeRectCallout">
@@ -36992,7 +37684,7 @@
               <a:buChar char="•"/>
             </a:pPr>
             <a:r>
-              <a:rPr lang="de-DE" dirty="0" smtClean="0">
+              <a:rPr lang="de-DE" dirty="0">
                 <a:solidFill>
                   <a:schemeClr val="tx1"/>
                 </a:solidFill>
@@ -37006,7 +37698,7 @@
               <a:buChar char="•"/>
             </a:pPr>
             <a:r>
-              <a:rPr lang="de-DE" dirty="0" smtClean="0">
+              <a:rPr lang="de-DE" dirty="0">
                 <a:solidFill>
                   <a:schemeClr val="tx1"/>
                 </a:solidFill>
@@ -37021,6 +37713,71 @@
           </a:p>
         </p:txBody>
       </p:sp>
+      <p:sp>
+        <p:nvSpPr>
+          <p:cNvPr id="7" name="Rectangular Callout 6"/>
+          <p:cNvSpPr/>
+          <p:nvPr/>
+        </p:nvSpPr>
+        <p:spPr>
+          <a:xfrm>
+            <a:off x="304800" y="832714"/>
+            <a:ext cx="3212592" cy="1524000"/>
+          </a:xfrm>
+          <a:prstGeom prst="wedgeRectCallout">
+            <a:avLst>
+              <a:gd name="adj1" fmla="val -8508"/>
+              <a:gd name="adj2" fmla="val 93565"/>
+            </a:avLst>
+          </a:prstGeom>
+          <a:solidFill>
+            <a:schemeClr val="bg1">
+              <a:lumMod val="65000"/>
+            </a:schemeClr>
+          </a:solidFill>
+          <a:ln>
+            <a:solidFill>
+              <a:schemeClr val="bg1">
+                <a:lumMod val="75000"/>
+              </a:schemeClr>
+            </a:solidFill>
+          </a:ln>
+        </p:spPr>
+        <p:style>
+          <a:lnRef idx="2">
+            <a:schemeClr val="accent1">
+              <a:shade val="50000"/>
+            </a:schemeClr>
+          </a:lnRef>
+          <a:fillRef idx="1">
+            <a:schemeClr val="accent1"/>
+          </a:fillRef>
+          <a:effectRef idx="0">
+            <a:schemeClr val="accent1"/>
+          </a:effectRef>
+          <a:fontRef idx="minor">
+            <a:schemeClr val="lt1"/>
+          </a:fontRef>
+        </p:style>
+        <p:txBody>
+          <a:bodyPr rtlCol="0" anchor="ctr"/>
+          <a:lstStyle/>
+          <a:p>
+            <a:pPr algn="ctr"/>
+            <a:r>
+              <a:rPr lang="en-DE" sz="1600" dirty="0"/>
+              <a:t>I really enjoyed this project work. </a:t>
+            </a:r>
+          </a:p>
+          <a:p>
+            <a:pPr algn="ctr"/>
+            <a:r>
+              <a:rPr lang="en-DE" sz="1600" dirty="0"/>
+              <a:t>It took use some time to find a project everyone was interested in, but once we had a plan it was pretty straight forward.</a:t>
+            </a:r>
+          </a:p>
+        </p:txBody>
+      </p:sp>
     </p:spTree>
     <p:extLst>
       <p:ext uri="{BB962C8B-B14F-4D97-AF65-F5344CB8AC3E}">
@@ -37031,13 +37788,6 @@
   <p:clrMapOvr>
     <a:masterClrMapping/>
   </p:clrMapOvr>
-  <p:timing>
-    <p:tnLst>
-      <p:par>
-        <p:cTn id="1" dur="indefinite" restart="never" nodeType="tmRoot"/>
-      </p:par>
-    </p:tnLst>
-  </p:timing>
 </p:sld>
 </file>
 
